--- a/intel_IP/IRIS/HW_IP/Interface/I2C/I2C_EEPROM.pptx
+++ b/intel_IP/IRIS/HW_IP/Interface/I2C/I2C_EEPROM.pptx
@@ -11,9 +11,10 @@
     <p:sldId id="264" r:id="rId5"/>
     <p:sldId id="256" r:id="rId6"/>
     <p:sldId id="260" r:id="rId7"/>
-    <p:sldId id="263" r:id="rId8"/>
-    <p:sldId id="261" r:id="rId9"/>
-    <p:sldId id="262" r:id="rId10"/>
+    <p:sldId id="265" r:id="rId8"/>
+    <p:sldId id="263" r:id="rId9"/>
+    <p:sldId id="261" r:id="rId10"/>
+    <p:sldId id="262" r:id="rId11"/>
   </p:sldIdLst>
   <p:sldSz cx="12192000" cy="6858000"/>
   <p:notesSz cx="6858000" cy="9144000"/>
@@ -112,7 +113,332 @@
       </a:defRPr>
     </a:lvl9pPr>
   </p:defaultTextStyle>
+  <p:extLst>
+    <p:ext uri="{EFAFB233-063F-42B5-8137-9DF3F51BA10A}">
+      <p15:sldGuideLst xmlns:p15="http://schemas.microsoft.com/office/powerpoint/2012/main"/>
+    </p:ext>
+  </p:extLst>
 </p:presentation>
+</file>
+
+<file path=ppt/ink/ink1.xml><?xml version="1.0" encoding="utf-8"?>
+<inkml:ink xmlns:inkml="http://www.w3.org/2003/InkML">
+  <inkml:definitions>
+    <inkml:context xml:id="ctx0">
+      <inkml:inkSource xml:id="inkSrc0">
+        <inkml:traceFormat>
+          <inkml:channel name="X" type="integer" min="-2.14748E9" max="2.14748E9" units="cm"/>
+          <inkml:channel name="Y" type="integer" min="-2.14748E9" max="2.14748E9" units="cm"/>
+          <inkml:channel name="F" type="integer" max="32767" units="dev"/>
+          <inkml:channel name="OA" type="integer" max="360" units="deg"/>
+          <inkml:channel name="OE" type="integer" max="90" units="deg"/>
+        </inkml:traceFormat>
+        <inkml:channelProperties>
+          <inkml:channelProperty channel="X" name="resolution" value="1000" units="1/cm"/>
+          <inkml:channelProperty channel="Y" name="resolution" value="1000" units="1/cm"/>
+          <inkml:channelProperty channel="F" name="resolution" value="0" units="1/dev"/>
+          <inkml:channelProperty channel="OA" name="resolution" value="1000" units="1/deg"/>
+          <inkml:channelProperty channel="OE" name="resolution" value="1000" units="1/deg"/>
+        </inkml:channelProperties>
+      </inkml:inkSource>
+      <inkml:timestamp xml:id="ts0" timeString="2025-05-17T14:39:01.510"/>
+    </inkml:context>
+    <inkml:brush xml:id="br0">
+      <inkml:brushProperty name="width" value="0.1" units="cm"/>
+      <inkml:brushProperty name="height" value="0.1" units="cm"/>
+      <inkml:brushProperty name="color" value="#66CC00"/>
+    </inkml:brush>
+  </inkml:definitions>
+  <inkml:trace contextRef="#ctx0" brushRef="#br0">106 3175 3592 0 0,'0'-12'4381'0'0,"-1"17"-2348"0"0,-6 23-1053 0 0,-9 15-348 0 0,2 0 0 0 0,2 1-1 0 0,1 1 1 0 0,3 0 0 0 0,1 0 0 0 0,0 49-1 0 0,-2 3-128 0 0,2-45-217 0 0,3-1 0 0 0,2 1 0 0 0,5 63 0 0 0,1-64-179 0 0,-5 73-1 0 0,2 34 392 0 0,6 82-138 0 0,-5-220-343 0 0,35 349 222 0 0,-29-322-239 0 0,1-1 0 0 0,3 0 0 0 0,2 0 1 0 0,1-1-1 0 0,40 78 0 0 0,-46-105-14 0 0,0 0 0 0 0,8 27 0 0 0,6 15 72 0 0,5 0 10 0 0,-2 1-1 0 0,-3 2 1 0 0,17 73 0 0 0,-23-65 18 0 0,-3-15 21 0 0,11 90 1 0 0,-3 36 68 0 0,-9-89-54 0 0,1 110 1 0 0,-15-96-47 0 0,11 309 69 0 0,19-167 9 0 0,-5-59-309 0 0,-21-166 191 0 0,14 45 0 0 0,-11-51-5 0 0,-1 1 0 0 0,-2-1 0 0 0,4 36 0 0 0,-4 47 30 0 0,-4 1 0 0 0,-21 146 0 0 0,17-195-59 0 0,2 0-1 0 0,2 0 1 0 0,3 0 0 0 0,16 98 0 0 0,-9-74 22 0 0,5-3 93 0 0,2 0 0 0 0,4-2 0 0 0,49 121-1 0 0,-31-91 42 0 0,-27-76-97 0 0,2-1 1 0 0,1 0-1 0 0,2-1 0 0 0,0-1 0 0 0,1 0 0 0 0,1-2 0 0 0,22 21 0 0 0,26 34 121 0 0,-42-48-150 0 0,15 20 40 0 0,32 38 7 0 0,-57-71-62 0 0,1-1 1 0 0,1 0 0 0 0,0-2-1 0 0,24 16 1 0 0,-20-15 72 0 0,0 2 0 0 0,29 27 0 0 0,-15-11 35 0 0,2-2 0 0 0,1-2-1 0 0,0-1 1 0 0,2-2-1 0 0,68 31 1 0 0,-34-17 5 0 0,-23-15-66 0 0,1-2 0 0 0,101 27 0 0 0,-22-8 17 0 0,26 2-35 0 0,-104-30-2 0 0,68 24-1 0 0,-6 3 118 0 0,2-6-1 0 0,155 24 0 0 0,-173-45-69 0 0,180 1-1 0 0,-33-5-163 0 0,286 34 285 0 0,-410-30-251 0 0,376 29-94 0 0,0-30 341 0 0,525 3-304 0 0,-441-12 12 0 0,-319-3 177 0 0,252 12-108 0 0,197-13-208 0 0,-571-4 186 0 0,345 12-64 0 0,-139 2 124 0 0,-158 0 13 0 0,-121-3-24 0 0,-1-3 1 0 0,1-2-1 0 0,-1-3 0 0 0,87-16 1 0 0,-96 7-9 0 0,297-72 156 0 0,-248 54-87 0 0,132-57 0 0 0,-133 48-31 0 0,1 5 0 0 0,164-30-1 0 0,-205 50-91 0 0,18-1 45 0 0,128-8 0 0 0,89 15 62 0 0,-136 5-92 0 0,-10 3 18 0 0,-73 1-15 0 0,0-3 1 0 0,80-12 0 0 0,-47 1 126 0 0,215 3-1 0 0,-97 8-164 0 0,99 14-82 0 0,-66 1 25 0 0,373-17 383 0 0,-390 16-295 0 0,2 0 9 0 0,253-36 187 0 0,-251 7-203 0 0,294 17-1 0 0,-528 1 18 0 0,375-4 191 0 0,63-37-343 0 0,-83 30 245 0 0,-67 7-53 0 0,-273 1-27 0 0,59-4-32 0 0,-1-3 1 0 0,116-26-1 0 0,-153 21 40 0 0,-20 6 18 0 0,0-1 0 0 0,-1-2 0 0 0,41-18 0 0 0,-29 7-1 0 0,-1-2 1 0 0,-1-2-1 0 0,66-53 0 0 0,-92 64 2 0 0,-1 0 1 0 0,26-34-1 0 0,-19 20 61 0 0,-1-2 1 0 0,-2 0 0 0 0,22-44-1 0 0,-1 2-78 0 0,3-13 1 0 0,-29 59-5 0 0,22-51 1 0 0,-30 59 21 0 0,4-12-9 0 0,15-57-1 0 0,-24 79-4 0 0,-1-1 0 0 0,0 0 0 0 0,0 0 0 0 0,-1 1 0 0 0,0-1 0 0 0,-1 0 0 0 0,0 0 0 0 0,0 1 1 0 0,-1-1-1 0 0,-5-14 0 0 0,1 13 8 0 0,0 1 0 0 0,-1-1 1 0 0,-1 2-1 0 0,0-1 1 0 0,0 1-1 0 0,-1 0 0 0 0,0 1 1 0 0,0 0-1 0 0,-1 0 0 0 0,-13-7 1 0 0,6 2-4 0 0,-1 1-37 0 0,1 0 0 0 0,-1 2-1 0 0,-1 0 1 0 0,0 1 0 0 0,-22-7 0 0 0,-108-26-304 0 0,69 21 245 0 0,-274-54-243 0 0,-7 30 337 0 0,221 29 60 0 0,-29 4-112 0 0,-174 11 0 0 0,159 3 94 0 0,133-2-35 0 0,-341-6 182 0 0,274-1-117 0 0,-153-29 1 0 0,128 16 5 0 0,-264-2 0 0 0,281 19-57 0 0,-106 0 83 0 0,-114-6 71 0 0,43-11-24 0 0,-214-15-22 0 0,432 27-82 0 0,-107-25 1 0 0,163 26-3 0 0,1-1 0 0 0,0-2 0 0 0,0 0-1 0 0,1-2 1 0 0,1-1 0 0 0,0-1 0 0 0,-31-23 0 0 0,43 26-39 0 0,1-1-1 0 0,0-1 1 0 0,1 0 0 0 0,0-1 0 0 0,1 0 0 0 0,1-1 0 0 0,0 0 0 0 0,-14-31 0 0 0,2-5-9 0 0,-23-79 0 0 0,27 59-53 0 0,3-1 0 0 0,4-1 0 0 0,-3-81 0 0 0,14 123 14 0 0,1 1 0 0 0,1-1-1 0 0,2 0 1 0 0,13-51 0 0 0,2-14-14 0 0,-16 76 29 0 0,2 1-1 0 0,0 0 1 0 0,2-1-1 0 0,10-22 1 0 0,-13 33 9 0 0,0 0 1 0 0,1 0 0 0 0,1 0 0 0 0,-1 1 0 0 0,1 0-1 0 0,1 0 1 0 0,0 0 0 0 0,0 1 0 0 0,0 0 0 0 0,15-10-1 0 0,-7 7-24 0 0,1 1-1 0 0,1 0 0 0 0,-1 2 0 0 0,1 0 1 0 0,1 0-1 0 0,25-4 0 0 0,80-11 11 0 0,-85 17 79 0 0,-1-1 0 0 0,0-2 0 0 0,44-16 1 0 0,-33 5-1 0 0,0 2 0 0 0,2 3 0 0 0,67-12 0 0 0,127-29-66 0 0,-84 16 32 0 0,-105 30-34 0 0,0 3 0 0 0,57 1 1 0 0,-48 3 27 0 0,76-12 1 0 0,178-30 117 0 0,21-4-160 0 0,-257 36-20 0 0,165-2 0 0 0,87 25-85 0 0,-116-1 192 0 0,274-16 91 0 0,-387-2-64 0 0,-2-5 0 0 0,173-44 0 0 0,-225 40-23 0 0,-2-2 1 0 0,0-2-1 0 0,-1-3 1 0 0,-2-1-1 0 0,72-51 1 0 0,-106 67-38 0 0,0 0 1 0 0,0 0-1 0 0,0-1 1 0 0,-1 0-1 0 0,-1-1 0 0 0,0 0 1 0 0,0-1-1 0 0,-1 0 1 0 0,-1-1-1 0 0,0 0 1 0 0,-1 0-1 0 0,0 0 0 0 0,-1-1 1 0 0,0 0-1 0 0,-2-1 1 0 0,1 1-1 0 0,-2-1 0 0 0,0 0 1 0 0,0 1-1 0 0,-2-1 1 0 0,1-1-1 0 0,-2 1 1 0 0,0 0-1 0 0,-1 0 0 0 0,-1 0 1 0 0,0 0-1 0 0,-1 0 1 0 0,-6-17-1 0 0,-47-245 45 0 0,50 252-57 0 0,-1 1 0 0 0,-1-1 0 0 0,-2 1 0 0 0,0 1 0 0 0,-1 0 0 0 0,-2 0 0 0 0,0 1 0 0 0,-1 0 0 0 0,-23-25 0 0 0,-75-65-142 0 0,86 87 150 0 0,-1 1 0 0 0,-2 2 0 0 0,0 1 0 0 0,-60-32 0 0 0,76 46-25 0 0,0 2-1 0 0,-1-1 1 0 0,1 2 0 0 0,-1 0 0 0 0,0 1 0 0 0,0 0 0 0 0,0 1 0 0 0,-1 0 0 0 0,-16 1 0 0 0,-138 11-213 0 0,109-5 195 0 0,-87 5 76 0 0,-227-16 0 0 0,87-21-61 0 0,-131-8-144 0 0,40 31 213 0 0,-109-5 9 0 0,368 3-44 0 0,50 3 17 0 0,-104-15 0 0 0,-233-49 35 0 0,377 62-79 0 0,-18-2 25 0 0,-249-46-74 0 0,281 50 47 0 0,1-1 0 0 0,0-1 0 0 0,0-1 0 0 0,0 0 0 0 0,0 0 0 0 0,1-1 0 0 0,0-1 0 0 0,1-1 1 0 0,0 1-1 0 0,0-2 0 0 0,0 0 0 0 0,2 0 0 0 0,-1-1 0 0 0,-14-19 0 0 0,11 8-2 0 0,2 0-1 0 0,0 0 1 0 0,1-1 0 0 0,1-1-1 0 0,1 0 1 0 0,2 0-1 0 0,-9-45 1 0 0,8 23 2 0 0,2-1-1 0 0,2 0 1 0 0,2 0-1 0 0,3 0 1 0 0,1 0 0 0 0,2 0-1 0 0,3 1 1 0 0,1 0-1 0 0,3 0 1 0 0,21-60 0 0 0,-23 79 3 0 0,26-66-37 0 0,-32 85 37 0 0,1 1-1 0 0,0-1 1 0 0,1 1-1 0 0,0 0 1 0 0,0 1-1 0 0,0-1 1 0 0,1 1-1 0 0,-1 0 1 0 0,13-9-1 0 0,-8 10-3 0 0,1 1 0 0 0,0 0-1 0 0,1 1 1 0 0,-1 0-1 0 0,1 1 1 0 0,-1 0 0 0 0,1 1-1 0 0,0 0 1 0 0,-1 1-1 0 0,14 1 1 0 0,21-2 40 0 0,324-60-48 0 0,-219 32 3 0 0,14 1-26 0 0,224-11-1 0 0,-236 34 57 0 0,0-6-1 0 0,205-42 1 0 0,-254 35-67 0 0,203-9-1 0 0,-141 17 138 0 0,-93 6-63 0 0,-1 4-1 0 0,0 3 0 0 0,0 3 0 0 0,86 19 0 0 0,-103-15-13 0 0,60 12 12 0 0,0-4 0 0 0,153 2 0 0 0,-257-20 1 0 0,113 1 74 0 0,242-30-1 0 0,-320 21-61 0 0,0-3 0 0 0,-2-1 0 0 0,1-3 0 0 0,-2-1 0 0 0,0-2-1 0 0,72-43 1 0 0,-105 55-35 0 0,40-25 69 0 0,-3-1 1 0 0,0-3-1 0 0,68-66 1 0 0,-93 77-45 0 0,-1 0-1 0 0,0-1 1 0 0,-2-1 0 0 0,-2 0 0 0 0,29-58 0 0 0,-34 59-6 0 0,4-9-1 0 0,-1-1 0 0 0,-2 0 1 0 0,-1 0-1 0 0,-1-2 0 0 0,9-68 0 0 0,-4-43-98 0 0,-4 38 117 0 0,-1-126-1 0 0,-12 203-64 0 0,-1-1 1 0 0,-1 1-1 0 0,-2 0 1 0 0,-2 0-1 0 0,-1 1 1 0 0,-1-1-1 0 0,-2 2 1 0 0,-17-37-1 0 0,24 60 20 0 0,-2-1 0 0 0,1 1 0 0 0,-1 0 0 0 0,0 0-1 0 0,-13-13 1 0 0,-6-6-95 0 0,11 13 66 0 0,-1 0 1 0 0,0 1-1 0 0,-2 0 0 0 0,1 1 0 0 0,-1 1 0 0 0,-1 1 0 0 0,0 0 0 0 0,0 1 0 0 0,-1 1 0 0 0,0 1 1 0 0,0 1-1 0 0,-27-5 0 0 0,-9 0-28 0 0,0 3 1 0 0,-1 2-1 0 0,-75 1 1 0 0,25 9-75 0 0,-143 21 0 0 0,-104 39-162 0 0,-92 12 415 0 0,279-52-83 0 0,-56 6-64 0 0,209-29 39 0 0,-434 33-92 0 0,-16 6 242 0 0,-814 130-6 0 0,686-108-484 0 0,-59 26 368 0 0,371-53-123 0 0,123-19 23 0 0,48-3 74 0 0,-1-5 0 0 0,0-4 0 0 0,1-5-1 0 0,-1-5 1 0 0,1-5 0 0 0,0-4 0 0 0,-200-57 0 0 0,252 54 39 0 0,1-3 1 0 0,1-2 0 0 0,-90-55-1 0 0,55 27 2 0 0,-59-40-24 0 0,40 9 24 0 0,-83-57-64 0 0,147 108 71 0 0,-46-28-154 0 0,-10 1-122 0 0,57 32 263 0 0,-69-31-1 0 0,-211-85 123 0 0,188 76-188 0 0,36 15 56 0 0,-424-196-63 0 0,440 213 95 0 0,-158-44-1 0 0,110 39-34 0 0,-414-85-110 0 0,268 70 157 0 0,62 7-3 0 0,-616-153 66 0 0,673 149-55 0 0,88 26-82 0 0,-1 3-1 0 0,0 3 1 0 0,-79-10 0 0 0,-424-22-170 0 0,347 40 196 0 0,-276 22-1 0 0,-261 51 3 0 0,629-54-72 0 0,-211-15-1 0 0,-82-11 401 0 0,361 22-410 0 0,-112 20 0 0 0,86-9 16 0 0,-26 8 139 0 0,-185 59 0 0 0,152-22-110 0 0,79-33-40 0 0,1 4 0 0 0,1 3-1 0 0,1 3 1 0 0,-72 52-1 0 0,77-48 20 0 0,-24 16-182 0 0,61-35 182 0 0,0 2-1 0 0,2 0 0 0 0,0 2 1 0 0,2 0-1 0 0,1 2 1 0 0,-24 37-1 0 0,29-35-37 0 0,-1-2 0 0 0,-2 0-1 0 0,-27 28 1 0 0,25-30 134 0 0,0 2-1 0 0,-27 44 0 0 0,8 1-124 0 0,-88 144 45 0 0,101-169-75 0 0,1 0-1 0 0,3 2 0 0 0,-24 66 1 0 0,-2-1 122 0 0,17-42 0 0 0,28-58 13 0 0,-4 6-24 0 0,2-1-1 0 0,1 2 1 0 0,-7 30 0 0 0,10-38-20 0 0,0 0 1 0 0,-1 0 0 0 0,0 0-1 0 0,-10 18 1 0 0,-9 22-6 0 0,19-40-11 0 0,-13 39-25 0 0,-22 96 0 0 0,11 20 116 0 0,29-168-76 0 0,0 0-1 0 0,-1 0 1 0 0,1 0-1 0 0,0 0 1 0 0,0-1-1 0 0,-1 1 1 0 0,1 0-1 0 0,-1 0 1 0 0,1-1-1 0 0,0 1 1 0 0,-1 0-1 0 0,0-1 1 0 0,1 1-1 0 0,-1 0 1 0 0,1-1-1 0 0,-1 1 1 0 0,0-1-1 0 0,1 1 1 0 0,-1-1-1 0 0,0 1 1 0 0,1-1-1 0 0,-1 0 1 0 0,0 1-1 0 0,0-1 1 0 0,0 0-1 0 0,1 0 1 0 0,-1 1-1 0 0,0-1 1 0 0,0 0-1 0 0,0 0 1 0 0,0 0-1 0 0,1 0 1 0 0,-1 0-1 0 0,0 0 1 0 0,0 0-1 0 0,0 0 1 0 0,0 0-1 0 0,1-1 1 0 0,-1 1-1 0 0,0 0 1 0 0,0 0-1 0 0,0-1 1 0 0,1 1-1 0 0,-1-1 1 0 0,0 1-1 0 0,0-1 1 0 0,1 1-1 0 0,-1-1 1 0 0,1 1-1 0 0,-2-2 1 0 0,-42-32 146 0 0,38 28-139 0 0,-17-15 1 0 0,2-2-1 0 0,1-1 1 0 0,1-1 0 0 0,1 0 0 0 0,1-2-1 0 0,-26-54 1 0 0,25 47-21 0 0,-49-80 4 0 0,35 64 30 0 0,-31-68 1 0 0,62 115-10 0 0,-1 0-1 0 0,1 0 1 0 0,0 0 0 0 0,0 0 0 0 0,0 0 0 0 0,1 0 0 0 0,-1 0-1 0 0,0-1 1 0 0,1 1 0 0 0,0 0 0 0 0,0 0 0 0 0,0 0 0 0 0,0-1 0 0 0,2-5-1 0 0,-2 8-62 0 0,1 1 0 0 0,-1-1 0 0 0,0 0 0 0 0,1 0 0 0 0,-1 1 0 0 0,1-1 0 0 0,-1 0 0 0 0,1 1 0 0 0,0-1 0 0 0,-1 1 0 0 0,1-1 0 0 0,0 1 0 0 0,-1-1 0 0 0,1 1 0 0 0,0-1-1 0 0,0 1 1 0 0,-1 0 0 0 0,1-1 0 0 0,0 1 0 0 0,0 0 0 0 0,1-1 0 0 0,27 6-4849 0 0,-8 3-1855 0 0</inkml:trace>
+</inkml:ink>
+</file>
+
+<file path=ppt/ink/ink10.xml><?xml version="1.0" encoding="utf-8"?>
+<inkml:ink xmlns:inkml="http://www.w3.org/2003/InkML">
+  <inkml:definitions>
+    <inkml:context xml:id="ctx0">
+      <inkml:inkSource xml:id="inkSrc0">
+        <inkml:traceFormat>
+          <inkml:channel name="X" type="integer" min="-2.14748E9" max="2.14748E9" units="cm"/>
+          <inkml:channel name="Y" type="integer" min="-2.14748E9" max="2.14748E9" units="cm"/>
+          <inkml:channel name="F" type="integer" max="32767" units="dev"/>
+          <inkml:channel name="OA" type="integer" max="360" units="deg"/>
+          <inkml:channel name="OE" type="integer" max="90" units="deg"/>
+        </inkml:traceFormat>
+        <inkml:channelProperties>
+          <inkml:channelProperty channel="X" name="resolution" value="1000" units="1/cm"/>
+          <inkml:channelProperty channel="Y" name="resolution" value="1000" units="1/cm"/>
+          <inkml:channelProperty channel="F" name="resolution" value="0" units="1/dev"/>
+          <inkml:channelProperty channel="OA" name="resolution" value="1000" units="1/deg"/>
+          <inkml:channelProperty channel="OE" name="resolution" value="1000" units="1/deg"/>
+        </inkml:channelProperties>
+      </inkml:inkSource>
+      <inkml:timestamp xml:id="ts0" timeString="2025-05-17T14:40:11.808"/>
+    </inkml:context>
+    <inkml:brush xml:id="br0">
+      <inkml:brushProperty name="width" value="0.1" units="cm"/>
+      <inkml:brushProperty name="height" value="0.1" units="cm"/>
+      <inkml:brushProperty name="color" value="#E71224"/>
+    </inkml:brush>
+  </inkml:definitions>
+  <inkml:trace contextRef="#ctx0" brushRef="#br0">50 1 10962 0 0,'-8'1'2160'0'0,"-16"16"-1135"0"0,14 7-417 0 0,2 2-504 0 0,8-3-1233 0 0,7-6-4376 0 0</inkml:trace>
+</inkml:ink>
+</file>
+
+<file path=ppt/ink/ink2.xml><?xml version="1.0" encoding="utf-8"?>
+<inkml:ink xmlns:inkml="http://www.w3.org/2003/InkML">
+  <inkml:definitions>
+    <inkml:context xml:id="ctx0">
+      <inkml:inkSource xml:id="inkSrc0">
+        <inkml:traceFormat>
+          <inkml:channel name="X" type="integer" min="-2.14748E9" max="2.14748E9" units="cm"/>
+          <inkml:channel name="Y" type="integer" min="-2.14748E9" max="2.14748E9" units="cm"/>
+          <inkml:channel name="F" type="integer" max="32767" units="dev"/>
+          <inkml:channel name="OA" type="integer" max="360" units="deg"/>
+          <inkml:channel name="OE" type="integer" max="90" units="deg"/>
+        </inkml:traceFormat>
+        <inkml:channelProperties>
+          <inkml:channelProperty channel="X" name="resolution" value="1000" units="1/cm"/>
+          <inkml:channelProperty channel="Y" name="resolution" value="1000" units="1/cm"/>
+          <inkml:channelProperty channel="F" name="resolution" value="0" units="1/dev"/>
+          <inkml:channelProperty channel="OA" name="resolution" value="1000" units="1/deg"/>
+          <inkml:channelProperty channel="OE" name="resolution" value="1000" units="1/deg"/>
+        </inkml:channelProperties>
+      </inkml:inkSource>
+      <inkml:timestamp xml:id="ts0" timeString="2025-05-17T14:39:02.527"/>
+    </inkml:context>
+    <inkml:brush xml:id="br0">
+      <inkml:brushProperty name="width" value="0.1" units="cm"/>
+      <inkml:brushProperty name="height" value="0.1" units="cm"/>
+      <inkml:brushProperty name="color" value="#66CC00"/>
+    </inkml:brush>
+  </inkml:definitions>
+  <inkml:trace contextRef="#ctx0" brushRef="#br0">0 468 2440 0 0,'0'-4'1029'0'0,"1"0"1"0"0,-1 0-1 0 0,1 0 1 0 0,0 0-1 0 0,0 0 1 0 0,0 0-1 0 0,0 0 1 0 0,4-6-1 0 0,21-26 2308 0 0,-12 23-3627 0 0,2 0 0 0 0,27-18 0 0 0,-7 5 1281 0 0,133-108 482 0 0,-83 76-668 0 0,49-20 592 0 0,-123 71-1236 0 0,4-6 149 0 0,-14 11-259 0 0,-1 1 1 0 0,1 0-1 0 0,-1-1 0 0 0,1 1 1 0 0,0 0-1 0 0,-1 0 0 0 0,1 0 1 0 0,0 0-1 0 0,0 0 0 0 0,0 0 1 0 0,0 0-1 0 0,0 1 1 0 0,0-1-1 0 0,0 1 0 0 0,3-1 1 0 0,-6 2-96 0 0,-1 0 1 0 0,1 1 0 0 0,0-1 0 0 0,0 1 0 0 0,0-1-1 0 0,0 1 1 0 0,0 0 0 0 0,1-1 0 0 0,-1 1 0 0 0,0 0-1 0 0,1 0 1 0 0,0-1 0 0 0,-1 4 0 0 0,-3 13-6008 0 0</inkml:trace>
+</inkml:ink>
+</file>
+
+<file path=ppt/ink/ink3.xml><?xml version="1.0" encoding="utf-8"?>
+<inkml:ink xmlns:inkml="http://www.w3.org/2003/InkML">
+  <inkml:definitions>
+    <inkml:context xml:id="ctx0">
+      <inkml:inkSource xml:id="inkSrc0">
+        <inkml:traceFormat>
+          <inkml:channel name="X" type="integer" min="-2.14748E9" max="2.14748E9" units="cm"/>
+          <inkml:channel name="Y" type="integer" min="-2.14748E9" max="2.14748E9" units="cm"/>
+          <inkml:channel name="F" type="integer" max="32767" units="dev"/>
+          <inkml:channel name="OA" type="integer" max="360" units="deg"/>
+          <inkml:channel name="OE" type="integer" max="90" units="deg"/>
+        </inkml:traceFormat>
+        <inkml:channelProperties>
+          <inkml:channelProperty channel="X" name="resolution" value="1000" units="1/cm"/>
+          <inkml:channelProperty channel="Y" name="resolution" value="1000" units="1/cm"/>
+          <inkml:channelProperty channel="F" name="resolution" value="0" units="1/dev"/>
+          <inkml:channelProperty channel="OA" name="resolution" value="1000" units="1/deg"/>
+          <inkml:channelProperty channel="OE" name="resolution" value="1000" units="1/deg"/>
+        </inkml:channelProperties>
+      </inkml:inkSource>
+      <inkml:timestamp xml:id="ts0" timeString="2025-05-17T14:39:43.129"/>
+    </inkml:context>
+    <inkml:brush xml:id="br0">
+      <inkml:brushProperty name="width" value="0.1" units="cm"/>
+      <inkml:brushProperty name="height" value="0.1" units="cm"/>
+      <inkml:brushProperty name="color" value="#66CC00"/>
+    </inkml:brush>
+  </inkml:definitions>
+  <inkml:trace contextRef="#ctx0" brushRef="#br0">660 2681 5377 0 0,'-9'7'6657'0'0,"5"11"-3971"0"0,4 27-2320 0 0,0-32 464 0 0,-5 123 382 0 0,1 36-340 0 0,28 189-413 0 0,-22-228-410 0 0,6 102-46 0 0,5 196 309 0 0,-10-292-258 0 0,-7 145-71 0 0,-55 264 530 0 0,19-96-23 0 0,39-348-427 0 0,5 0 1 0 0,24 139-1 0 0,-24-218-33 0 0,-1-4-3 0 0,0-1 0 0 0,2 0 0 0 0,0 0 0 0 0,15 35 1 0 0,62 142 51 0 0,-34-76-49 0 0,-17-37-6 0 0,20 90 0 0 0,21 59-164 0 0,-30-114 195 0 0,-24-65-8 0 0,2 0-1 0 0,38 69 1 0 0,-34-73 35 0 0,-2 1 0 0 0,-3 0 1 0 0,-1 2-1 0 0,13 68 0 0 0,-19-68 17 0 0,2-1-1 0 0,2 0 0 0 0,3-2 0 0 0,33 66 0 0 0,-7-22 264 0 0,-35-69-182 0 0,2 0-1 0 0,0-1 1 0 0,27 38-1 0 0,17 13 133 0 0,-27-35 41 0 0,62 66 1 0 0,-53-68-102 0 0,-16-15-26 0 0,0-1 0 0 0,46 32 0 0 0,-37-32-139 0 0,0-3-1 0 0,2 0 1 0 0,0-2-1 0 0,57 20 0 0 0,107 40-39 0 0,-140-51-19 0 0,2-3 1 0 0,1-2-1 0 0,68 14 0 0 0,115-3 350 0 0,-60-9-254 0 0,9 0-81 0 0,0-8 1 0 0,247-11-1 0 0,316 11 87 0 0,-350 1-46 0 0,-76-5-86 0 0,117 3 62 0 0,33 2 363 0 0,-397-11-337 0 0,723 29-68 0 0,-657-31 10 0 0,203 28 0 0 0,120 59-78 0 0,1 1 196 0 0,-334-70-79 0 0,291 61 123 0 0,-210-32-18 0 0,115 5 324 0 0,-127-22-353 0 0,243 18 41 0 0,-140-19-33 0 0,-85-5-225 0 0,21-16 91 0 0,-34-2-116 0 0,250 7 287 0 0,-57-3-195 0 0,60 1-120 0 0,-187-15 235 0 0,335 42 0 0 0,342-8 243 0 0,-804-33-390 0 0,303-7 51 0 0,-195-6-197 0 0,-10 1 105 0 0,7 1-8 0 0,-174 11 83 0 0,-1-4 0 0 0,0-3 0 0 0,94-21 0 0 0,-55 2-25 0 0,-33 9 1 0 0,88-30 0 0 0,-138 34 10 0 0,-1-2 1 0 0,0-2-1 0 0,-1-1 0 0 0,-1-2 1 0 0,61-45-1 0 0,-92 62 24 0 0,8-5-13 0 0,0 0 1 0 0,-1-1-1 0 0,0-1 1 0 0,0 1-1 0 0,-1-2 0 0 0,-1 1 1 0 0,11-17-1 0 0,41-54 12 0 0,-18 29-4 0 0,-17 11 62 0 0,-1-1 0 0 0,-2-2 0 0 0,26-70 0 0 0,-14 30-30 0 0,-15 40-31 0 0,60-154-25 0 0,-70 171 29 0 0,-1-1 1 0 0,-2 0-1 0 0,-1-1 0 0 0,-1 1 0 0 0,1-36 0 0 0,-4 21-16 0 0,0 32 10 0 0,0 0-1 0 0,-1 0 0 0 0,0 0 1 0 0,-1 0-1 0 0,0 0 0 0 0,0 1 1 0 0,-1-1-1 0 0,-1 0 0 0 0,0 0 1 0 0,0 1-1 0 0,-10-20 0 0 0,4 13-26 0 0,-1 1 1 0 0,-1 0-1 0 0,-1 1 0 0 0,0 0 0 0 0,-1 1 0 0 0,0 0 0 0 0,-1 1 0 0 0,0 1 0 0 0,-1 0 0 0 0,-1 1 0 0 0,0 0 0 0 0,0 1 0 0 0,-1 1 1 0 0,-34-13-1 0 0,-32 1-9 0 0,0 2 0 0 0,-2 5 1 0 0,-88-4-1 0 0,-23 5-37 0 0,0 10 0 0 0,-275 29-1 0 0,-108-8 327 0 0,459-18-210 0 0,-193-17 130 0 0,83 2-106 0 0,-320-11 210 0 0,-182 38 164 0 0,424-2-298 0 0,59-3-405 0 0,-881-5 268 0 0,993-5-110 0 0,-810-39 194 0 0,407-14-248 0 0,346 40 144 0 0,-210 9 0 0 0,281 8-97 0 0,-259-9 197 0 0,176 2-112 0 0,-137-24 15 0 0,71-15-187 0 0,228 34 204 0 0,1-2 0 0 0,1-1 0 0 0,0-2 0 0 0,-44-25 0 0 0,-60-52 9 0 0,85 47-27 0 0,-76-77 0 0 0,-28-44 8 0 0,55 49 4 0 0,47 47-140 0 0,18 18 146 0 0,-71-112 0 0 0,87 122-9 0 0,1-5-29 0 0,-29-61 1 0 0,19 31 29 0 0,18 33 13 0 0,1-2 1 0 0,-21-83 0 0 0,8 22-6 0 0,-193-609-188 0 0,148 424 180 0 0,36 118 16 0 0,-16-61 139 0 0,11-2 1 0 0,-24-396-1 0 0,59 424-125 0 0,-35-390 4 0 0,17 302 23 0 0,-2-14 27 0 0,-61-744 4 0 0,81 867-57 0 0,9 156 2 0 0,-23-278-166 0 0,16 246 119 0 0,-2 1 0 0 0,-34-108 0 0 0,34 149 25 0 0,-1 0 0 0 0,0 1 0 0 0,-2 1-1 0 0,0 0 1 0 0,-2 0 0 0 0,0 2 0 0 0,-1 0 0 0 0,-26-22 0 0 0,7 9 25 0 0,-2 2 1 0 0,-78-48-1 0 0,42 29 33 0 0,35 26-74 0 0,-1 1-1 0 0,-1 2 1 0 0,-46-16-1 0 0,-31-13 95 0 0,85 34-102 0 0,-60-15 0 0 0,17 6 43 0 0,-6-2-49 0 0,-1 4-1 0 0,-1 4 1 0 0,-109-11 0 0 0,51 18 59 0 0,-170 9 0 0 0,39 20 31 0 0,-47 2-69 0 0,-690 11-22 0 0,914-24-71 0 0,-127 26 0 0 0,-90 37-62 0 0,3 22-318 0 0,284-82 407 0 0,0 1 1 0 0,1 1-1 0 0,1 1 0 0 0,0 1 1 0 0,0 1-1 0 0,1 1 0 0 0,1 1 1 0 0,1 1-1 0 0,1 1 0 0 0,0 1 1 0 0,-28 38-1 0 0,22-24 28 0 0,11-16 20 0 0,1 1 1 0 0,1 1-1 0 0,1 0 1 0 0,-16 35-1 0 0,-29 74-61 0 0,26-62 31 0 0,-29 91 1 0 0,40-93-82 0 0,7-28 55 0 0,1 1 0 0 0,3 0 0 0 0,-9 71 0 0 0,14-56 43 0 0,-3 1 0 0 0,-1-1 0 0 0,-22 74 0 0 0,18-80 13 0 0,-9 68-1 0 0,15-73 29 0 0,-2 0-1 0 0,-16 50 1 0 0,21-84-5 0 0,0 0 1 0 0,0 0-1 0 0,-1 0 1 0 0,0-1-1 0 0,0 1 1 0 0,-1-1-1 0 0,0 0 1 0 0,-11 13-1 0 0,13-18 5 0 0,0 0-1 0 0,0 1 0 0 0,0-1 0 0 0,0 0 1 0 0,-1 0-1 0 0,1-1 0 0 0,0 1 1 0 0,-1-1-1 0 0,1 0 0 0 0,-1 0 0 0 0,0 0 1 0 0,1 0-1 0 0,-1 0 0 0 0,0-1 0 0 0,1 0 1 0 0,-1 0-1 0 0,0 0 0 0 0,0 0 1 0 0,1 0-1 0 0,-1-1 0 0 0,0 1 0 0 0,-3-2 1 0 0,-4-2 22 0 0,0 1 0 0 0,0-1 0 0 0,0-1 0 0 0,1 0 0 0 0,-1-1 0 0 0,1 1 0 0 0,-15-13 0 0 0,0-3 102 0 0,-30-33 0 0 0,-9-8 133 0 0,-112-108-248 0 0,139 132 57 0 0,25 25 7 0 0,0 1 0 0 0,1-2 0 0 0,0 1 0 0 0,1-2 0 0 0,-16-29 0 0 0,10 24 7 0 0,8 12-54 0 0</inkml:trace>
+</inkml:ink>
+</file>
+
+<file path=ppt/ink/ink4.xml><?xml version="1.0" encoding="utf-8"?>
+<inkml:ink xmlns:inkml="http://www.w3.org/2003/InkML">
+  <inkml:definitions>
+    <inkml:context xml:id="ctx0">
+      <inkml:inkSource xml:id="inkSrc0">
+        <inkml:traceFormat>
+          <inkml:channel name="X" type="integer" min="-2.14748E9" max="2.14748E9" units="cm"/>
+          <inkml:channel name="Y" type="integer" min="-2.14748E9" max="2.14748E9" units="cm"/>
+          <inkml:channel name="F" type="integer" max="32767" units="dev"/>
+          <inkml:channel name="OA" type="integer" max="360" units="deg"/>
+          <inkml:channel name="OE" type="integer" max="90" units="deg"/>
+        </inkml:traceFormat>
+        <inkml:channelProperties>
+          <inkml:channelProperty channel="X" name="resolution" value="1000" units="1/cm"/>
+          <inkml:channelProperty channel="Y" name="resolution" value="1000" units="1/cm"/>
+          <inkml:channelProperty channel="F" name="resolution" value="0" units="1/dev"/>
+          <inkml:channelProperty channel="OA" name="resolution" value="1000" units="1/deg"/>
+          <inkml:channelProperty channel="OE" name="resolution" value="1000" units="1/deg"/>
+        </inkml:channelProperties>
+      </inkml:inkSource>
+      <inkml:timestamp xml:id="ts0" timeString="2025-05-17T14:39:43.812"/>
+    </inkml:context>
+    <inkml:brush xml:id="br0">
+      <inkml:brushProperty name="width" value="0.1" units="cm"/>
+      <inkml:brushProperty name="height" value="0.1" units="cm"/>
+      <inkml:brushProperty name="color" value="#66CC00"/>
+    </inkml:brush>
+  </inkml:definitions>
+  <inkml:trace contextRef="#ctx0" brushRef="#br0">2 451 4384 0 0,'-1'-5'6401'0'0,"6"-14"-3977"0"0,6 5-1507 0 0,1 1 1 0 0,1 0-1 0 0,0 1 0 0 0,28-20 1 0 0,-16 12-111 0 0,405-289 5822 0 0,-396 295-6119 0 0</inkml:trace>
+</inkml:ink>
+</file>
+
+<file path=ppt/ink/ink5.xml><?xml version="1.0" encoding="utf-8"?>
+<inkml:ink xmlns:inkml="http://www.w3.org/2003/InkML">
+  <inkml:definitions>
+    <inkml:context xml:id="ctx0">
+      <inkml:inkSource xml:id="inkSrc0">
+        <inkml:traceFormat>
+          <inkml:channel name="X" type="integer" min="-2.14748E9" max="2.14748E9" units="cm"/>
+          <inkml:channel name="Y" type="integer" min="-2.14748E9" max="2.14748E9" units="cm"/>
+          <inkml:channel name="F" type="integer" max="32767" units="dev"/>
+          <inkml:channel name="OA" type="integer" max="360" units="deg"/>
+          <inkml:channel name="OE" type="integer" max="90" units="deg"/>
+        </inkml:traceFormat>
+        <inkml:channelProperties>
+          <inkml:channelProperty channel="X" name="resolution" value="1000" units="1/cm"/>
+          <inkml:channelProperty channel="Y" name="resolution" value="1000" units="1/cm"/>
+          <inkml:channelProperty channel="F" name="resolution" value="0" units="1/dev"/>
+          <inkml:channelProperty channel="OA" name="resolution" value="1000" units="1/deg"/>
+          <inkml:channelProperty channel="OE" name="resolution" value="1000" units="1/deg"/>
+        </inkml:channelProperties>
+      </inkml:inkSource>
+      <inkml:timestamp xml:id="ts0" timeString="2025-05-17T14:39:46.743"/>
+    </inkml:context>
+    <inkml:brush xml:id="br0">
+      <inkml:brushProperty name="width" value="0.1" units="cm"/>
+      <inkml:brushProperty name="height" value="0.1" units="cm"/>
+      <inkml:brushProperty name="color" value="#66CC00"/>
+    </inkml:brush>
+  </inkml:definitions>
+  <inkml:trace contextRef="#ctx0" brushRef="#br0">107 12 6705 0 0,'-11'-11'5619'0'0,"5"36"-3975"0"0,0 41-1161 0 0,6-66-483 0 0,-15 214 2090 0 0,-51 254 0 0 0,65-468-2095 0 0,1 0 0 0 0,0 1-1 0 0,0-1 1 0 0,0 1 0 0 0,-1-1-1 0 0,1 0 1 0 0,0 1 0 0 0,0-1 0 0 0,0 1-1 0 0,0-1 1 0 0,0 0 0 0 0,0 1-1 0 0,0-1 1 0 0,0 1 0 0 0,0-1 0 0 0,0 1-1 0 0,0-1 1 0 0,0 0 0 0 0,0 1-1 0 0,0-1 1 0 0,0 1 0 0 0,0-1 0 0 0,1 0-1 0 0,-1 1 1 0 0,0-1 0 0 0,0 1-1 0 0,0-1 1 0 0,1 0 0 0 0,-1 1 0 0 0,0-1-1 0 0,1 0 1 0 0,-1 1 0 0 0,0-1-1 0 0,1 1 1 0 0,12-9-1980 0 0,11-20-4293 0 0,-11 7-1841 0 0</inkml:trace>
+</inkml:ink>
+</file>
+
+<file path=ppt/ink/ink6.xml><?xml version="1.0" encoding="utf-8"?>
+<inkml:ink xmlns:inkml="http://www.w3.org/2003/InkML">
+  <inkml:definitions>
+    <inkml:context xml:id="ctx0">
+      <inkml:inkSource xml:id="inkSrc0">
+        <inkml:traceFormat>
+          <inkml:channel name="X" type="integer" min="-2.14748E9" max="2.14748E9" units="cm"/>
+          <inkml:channel name="Y" type="integer" min="-2.14748E9" max="2.14748E9" units="cm"/>
+          <inkml:channel name="F" type="integer" max="32767" units="dev"/>
+          <inkml:channel name="OA" type="integer" max="360" units="deg"/>
+          <inkml:channel name="OE" type="integer" max="90" units="deg"/>
+        </inkml:traceFormat>
+        <inkml:channelProperties>
+          <inkml:channelProperty channel="X" name="resolution" value="1000" units="1/cm"/>
+          <inkml:channelProperty channel="Y" name="resolution" value="1000" units="1/cm"/>
+          <inkml:channelProperty channel="F" name="resolution" value="0" units="1/dev"/>
+          <inkml:channelProperty channel="OA" name="resolution" value="1000" units="1/deg"/>
+          <inkml:channelProperty channel="OE" name="resolution" value="1000" units="1/deg"/>
+        </inkml:channelProperties>
+      </inkml:inkSource>
+      <inkml:timestamp xml:id="ts0" timeString="2025-05-17T14:39:47.094"/>
+    </inkml:context>
+    <inkml:brush xml:id="br0">
+      <inkml:brushProperty name="width" value="0.1" units="cm"/>
+      <inkml:brushProperty name="height" value="0.1" units="cm"/>
+      <inkml:brushProperty name="color" value="#66CC00"/>
+    </inkml:brush>
+  </inkml:definitions>
+  <inkml:trace contextRef="#ctx0" brushRef="#br0">5 0 9001 0 0,'-4'4'5985'0'0,"5"6"-3692"0"0,10 15-2444 0 0,-8-16 811 0 0,3 4-359 0 0,0 1-1 0 0,1-1 1 0 0,0 1-1 0 0,1-2 0 0 0,12 15 1 0 0,-15-21-133 0 0,0 0-1 0 0,0-1 1 0 0,0 0-1 0 0,1 0 1 0 0,0-1-1 0 0,0 1 1 0 0,0-1-1 0 0,0 0 1 0 0,1-1 0 0 0,0 0-1 0 0,-1 0 1 0 0,10 3-1 0 0</inkml:trace>
+</inkml:ink>
+</file>
+
+<file path=ppt/ink/ink7.xml><?xml version="1.0" encoding="utf-8"?>
+<inkml:ink xmlns:inkml="http://www.w3.org/2003/InkML">
+  <inkml:definitions>
+    <inkml:context xml:id="ctx0">
+      <inkml:inkSource xml:id="inkSrc0">
+        <inkml:traceFormat>
+          <inkml:channel name="X" type="integer" min="-2.14748E9" max="2.14748E9" units="cm"/>
+          <inkml:channel name="Y" type="integer" min="-2.14748E9" max="2.14748E9" units="cm"/>
+          <inkml:channel name="F" type="integer" max="32767" units="dev"/>
+          <inkml:channel name="OA" type="integer" max="360" units="deg"/>
+          <inkml:channel name="OE" type="integer" max="90" units="deg"/>
+        </inkml:traceFormat>
+        <inkml:channelProperties>
+          <inkml:channelProperty channel="X" name="resolution" value="1000" units="1/cm"/>
+          <inkml:channelProperty channel="Y" name="resolution" value="1000" units="1/cm"/>
+          <inkml:channelProperty channel="F" name="resolution" value="0" units="1/dev"/>
+          <inkml:channelProperty channel="OA" name="resolution" value="1000" units="1/deg"/>
+          <inkml:channelProperty channel="OE" name="resolution" value="1000" units="1/deg"/>
+        </inkml:channelProperties>
+      </inkml:inkSource>
+      <inkml:timestamp xml:id="ts0" timeString="2025-05-17T14:40:04.542"/>
+    </inkml:context>
+    <inkml:brush xml:id="br0">
+      <inkml:brushProperty name="width" value="0.1" units="cm"/>
+      <inkml:brushProperty name="height" value="0.1" units="cm"/>
+      <inkml:brushProperty name="color" value="#E71224"/>
+    </inkml:brush>
+  </inkml:definitions>
+  <inkml:trace contextRef="#ctx0" brushRef="#br0">987 4726 5009 0 0,'1'5'5788'0'0,"5"23"-4352"0"0,6 445 3955 0 0,30 10-4040 0 0,-45-235-693 0 0,-2-168-422 0 0,8 111-1 0 0,23 224-76 0 0,-23-204-238 0 0,-5-128 125 0 0,19 160 0 0 0,13-40 46 0 0,25 137 1 0 0,36 204 69 0 0,-78-450-129 0 0,-4 0 1 0 0,-4 142 0 0 0,-5-193-21 0 0,5 816-166 0 0,23-127 322 0 0,36 0 35 0 0,1-373-141 0 0,-17-125 64 0 0,14 43 36 0 0,1 8 28 0 0,22 174 119 0 0,-76-409-304 0 0,2-1 1 0 0,3 1-1 0 0,22 52 0 0 0,-26-78-4 0 0,2 0 0 0 0,1 0 0 0 0,0-1 0 0 0,2-1 0 0 0,1-1 0 0 0,0 0 0 0 0,37 35 0 0 0,-30-34 1 0 0,14 14 21 0 0,2-2 1 0 0,1-1-1 0 0,1-2 1 0 0,74 41-1 0 0,-2-19 79 0 0,213 66 0 0 0,384 69 30 0 0,8-21-334 0 0,-303-93 114 0 0,7-31 269 0 0,-350-37-91 0 0,2123 55 863 0 0,-1585-74-422 0 0,-57 2-337 0 0,350 0 266 0 0,-258 7-388 0 0,-239-8-57 0 0,155-3-27 0 0,-82 18 190 0 0,628-11-105 0 0,-182 5-92 0 0,-435 9-153 0 0,-366-6 237 0 0,1403-14-132 0 0,-172 3 90 0 0,-774 29 119 0 0,-184-4-107 0 0,676 38-821 0 0,-863-40 747 0 0,696-6-177 0 0,-462-11 127 0 0,480 10 107 0 0,-40-2 199 0 0,-552-4-289 0 0,202-13-121 0 0,-9-1-7 0 0,571-20-809 0 0,-464-34 506 0 0,-529 55 586 0 0,150-31-512 0 0,354-108 1 0 0,-432 106 444 0 0,-72 21-14 0 0,-1-4-1 0 0,146-65 1 0 0,-132 35 64 0 0,117-81 0 0 0,-209 123-96 0 0,-1 0 0 0 0,0-2-1 0 0,-1 0 1 0 0,-1-1 0 0 0,-1-2 0 0 0,-1 0 0 0 0,-1-1 0 0 0,-2-1 0 0 0,0 0 0 0 0,-1-1 0 0 0,-2-1 0 0 0,0 0 0 0 0,-2-1 0 0 0,10-40 0 0 0,37-299 211 0 0,-40 119 20 0 0,-7-46-39 0 0,10-392-283 0 0,-22 225 253 0 0,-9 7 355 0 0,6 140-423 0 0,9-99 286 0 0,-6 271-221 0 0,-34-621 113 0 0,-43 327-217 0 0,65 376-20 0 0,-34-200 2 0 0,-20-385 0 0 0,16-264-32 0 0,36 356 138 0 0,40-1 20 0 0,39-835 444 0 0,-72 1250-501 0 0,-7 0-1 0 0,-5 1 0 0 0,-6 1 0 0 0,-47-139 1 0 0,0 92 23 0 0,25 72-46 0 0,18 47-13 0 0,-3 1 0 0 0,-3 2 0 0 0,-53-70 1 0 0,29 44 0 0 0,0 2 13 0 0,-3 2 1 0 0,-4 3-1 0 0,-86-80 0 0 0,-118-90 815 0 0,220 204-855 0 0,-68-59 108 0 0,-28-14 43 0 0,-107-80 3 0 0,145 127-106 0 0,-4 4 0 0 0,-3 6 0 0 0,-2 5 0 0 0,-2 5 1 0 0,-170-50-1 0 0,-304-26-17 0 0,398 94-302 0 0,24 6 314 0 0,-218-8 0 0 0,-109-7-113 0 0,-15 0 134 0 0,349 36-58 0 0,-509 0-164 0 0,268 20 271 0 0,93 0-87 0 0,-39 2 107 0 0,-322-4 182 0 0,413-12-303 0 0,-451-13 149 0 0,377 8-326 0 0,-971-71-200 0 0,-41-43 386 0 0,666 59 62 0 0,-221-15-108 0 0,887 76 10 0 0,-797-58-34 0 0,445 29 83 0 0,-181-20-20 0 0,-444-43 183 0 0,906 86-252 0 0,-670-17 204 0 0,461 20-305 0 0,-325 4 274 0 0,435 8-136 0 0,-245 44 0 0 0,340-35-21 0 0,1 5 1 0 0,1 3 0 0 0,2 4 0 0 0,0 4 0 0 0,2 4 0 0 0,2 3 0 0 0,-78 52-1 0 0,147-84 30 0 0,-165 115-94 0 0,151-101 71 0 0,1 0 0 0 0,1 2 0 0 0,1 1 1 0 0,-30 41-1 0 0,32-34 14 0 0,1 2 1 0 0,2 0 0 0 0,-20 54 0 0 0,-31 113-46 0 0,47-126-21 0 0,-4-1 1 0 0,-38 76-1 0 0,41-107 95 0 0,-2-2 1 0 0,-62 77-1 0 0,-77 59 56 0 0,132-144-58 0 0,16-16-10 0 0,-2-1 0 0 0,0-2-1 0 0,-1 0 1 0 0,0 0 0 0 0,-1-2-1 0 0,-1-1 1 0 0,-29 12 0 0 0,-7-2-32 0 0,-101 23 0 0 0,94-32 42 0 0,-1-2 0 0 0,1-4 0 0 0,-1-2 0 0 0,0-3 0 0 0,-1-3 0 0 0,-88-14 0 0 0,7-10-119 0 0,-242-77 0 0 0,25-28 47 0 0,184 71 64 0 0,-193-60 51 0 0,276 93-83 0 0,0 6 1 0 0,-2 3-1 0 0,0 5 0 0 0,-143-1 0 0 0,5 22-9 0 0,0 11 0 0 0,1 10-1 0 0,2 11 1 0 0,-287 86 0 0 0,58 0 87 0 0,38-14-133 0 0,-77 23 138 0 0,156-2-717 0 0,304-110 568 0 0,2 2 0 0 0,-71 53 0 0 0,44-27-146 0 0,44-33 164 0 0,0 1 0 0 0,2 1 1 0 0,0 1-1 0 0,-25 32 0 0 0,-64 105-130 0 0,76-103 189 0 0,17-30-4 0 0,1 1 1 0 0,1 0-1 0 0,2 1 0 0 0,1 1 0 0 0,-20 57 1 0 0,-34 161-212 0 0,-18 78-111 0 0,71-256 318 0 0,-8 96-1 0 0,20-127 13 0 0,2-1-1 0 0,1 1 1 0 0,2-1-1 0 0,10 51 0 0 0,-7-60 126 0 0,1 2-45 0 0,4 49-1 0 0,-10-70-54 0 0,-1 1 1 0 0,0-1-1 0 0,-1 1 0 0 0,0-1 1 0 0,-4 17-1 0 0,5-24-14 0 0,0 1 0 0 0,0-1 0 0 0,-1 0 0 0 0,1 0 1 0 0,-1 0-1 0 0,1 1 0 0 0,-1-1 0 0 0,1 0 0 0 0,-1 0 0 0 0,0 0 0 0 0,0 0 0 0 0,1 0 0 0 0,-1 0 1 0 0,0 0-1 0 0,0 0 0 0 0,0 0 0 0 0,0-1 0 0 0,0 1 0 0 0,0 0 0 0 0,0 0 0 0 0,0-1 0 0 0,-1 1 1 0 0,1-1-1 0 0,0 1 0 0 0,0-1 0 0 0,-2 1 0 0 0,1-1 10 0 0,-1 0 0 0 0,1 0 0 0 0,-1-1 1 0 0,1 1-1 0 0,-1-1 0 0 0,1 1 0 0 0,-1-1 0 0 0,1 0 0 0 0,0 0 1 0 0,-1 0-1 0 0,1 0 0 0 0,-3-3 0 0 0,-8-4 38 0 0,2-1 0 0 0,-1 0-1 0 0,-14-17 1 0 0,22 22-80 0 0,-9-10 30 0 0,0-1 0 0 0,-20-31 1 0 0,-2-2-6 0 0,-72-99 13 0 0,-10-12-55 0 0,113 154 31 0 0,1 0 0 0 0,-1 0 0 0 0,0 1 0 0 0,0 0 0 0 0,0 0-1 0 0,-1 0 1 0 0,1 0 0 0 0,-1 1 0 0 0,0 0 0 0 0,0 0 0 0 0,0 0 0 0 0,-1 1-1 0 0,1-1 1 0 0,-1 1 0 0 0,1 0 0 0 0,-1 1 0 0 0,-8-2 0 0 0,14 3-4 0 0,0 0 0 0 0,-1 0 1 0 0,1 0-1 0 0,0 0 0 0 0,0 1 1 0 0,0-1-1 0 0,0 0 1 0 0,-1 0-1 0 0,1 0 0 0 0,0 0 1 0 0,0 0-1 0 0,0 0 0 0 0,0 0 1 0 0,0 1-1 0 0,0-1 0 0 0,0 0 1 0 0,-1 0-1 0 0,1 0 0 0 0,0 0 1 0 0,0 1-1 0 0,0-1 0 0 0,0 0 1 0 0,0 0-1 0 0,0 0 1 0 0,0 0-1 0 0,0 1 0 0 0,0-1 1 0 0,0 0-1 0 0,0 0 0 0 0,0 0 1 0 0,0 0-1 0 0,0 1 0 0 0,0-1 1 0 0,0 0-1 0 0,0 0 0 0 0,0 0 1 0 0,0 1-1 0 0,0-1 1 0 0,0 0-1 0 0,0 0 0 0 0,0 0 1 0 0,1 0-1 0 0,-1 0 0 0 0,0 1 1 0 0,0-1-1 0 0,0 0 0 0 0,0 0 1 0 0,0 0-1 0 0,0 0 0 0 0,1 0 1 0 0,-1 0-1 0 0,0 1 1 0 0,0-1-1 0 0,0 0 0 0 0,0 0 1 0 0,0 0-1 0 0,1 0 0 0 0,-1 0 1 0 0,0 0-1 0 0,0 0 0 0 0,0 0 1 0 0,1 0-1 0 0,15 9-3430 0 0,5-7-3430 0 0</inkml:trace>
+</inkml:ink>
+</file>
+
+<file path=ppt/ink/ink8.xml><?xml version="1.0" encoding="utf-8"?>
+<inkml:ink xmlns:inkml="http://www.w3.org/2003/InkML">
+  <inkml:definitions>
+    <inkml:context xml:id="ctx0">
+      <inkml:inkSource xml:id="inkSrc0">
+        <inkml:traceFormat>
+          <inkml:channel name="X" type="integer" min="-2.14748E9" max="2.14748E9" units="cm"/>
+          <inkml:channel name="Y" type="integer" min="-2.14748E9" max="2.14748E9" units="cm"/>
+          <inkml:channel name="F" type="integer" max="32767" units="dev"/>
+          <inkml:channel name="OA" type="integer" max="360" units="deg"/>
+          <inkml:channel name="OE" type="integer" max="90" units="deg"/>
+        </inkml:traceFormat>
+        <inkml:channelProperties>
+          <inkml:channelProperty channel="X" name="resolution" value="1000" units="1/cm"/>
+          <inkml:channelProperty channel="Y" name="resolution" value="1000" units="1/cm"/>
+          <inkml:channelProperty channel="F" name="resolution" value="0" units="1/dev"/>
+          <inkml:channelProperty channel="OA" name="resolution" value="1000" units="1/deg"/>
+          <inkml:channelProperty channel="OE" name="resolution" value="1000" units="1/deg"/>
+        </inkml:channelProperties>
+      </inkml:inkSource>
+      <inkml:timestamp xml:id="ts0" timeString="2025-05-17T14:40:05.097"/>
+    </inkml:context>
+    <inkml:brush xml:id="br0">
+      <inkml:brushProperty name="width" value="0.1" units="cm"/>
+      <inkml:brushProperty name="height" value="0.1" units="cm"/>
+      <inkml:brushProperty name="color" value="#E71224"/>
+    </inkml:brush>
+  </inkml:definitions>
+  <inkml:trace contextRef="#ctx0" brushRef="#br0">118 651 5249 0 0,'-6'0'1033'0'0,"-1"1"0"0"0,0 0 1 0 0,1 0-1 0 0,-1 1 0 0 0,1 0 0 0 0,-12 5 0 0 0,12-4-189 0 0,0-1 0 0 0,0 0 0 0 0,-1 0 0 0 0,1 0 0 0 0,0-1 0 0 0,-13 2 0 0 0,19-3-813 0 0,0 0 1 0 0,-1 0 0 0 0,1-1 0 0 0,0 1 0 0 0,0 0 0 0 0,0 0 0 0 0,-1 0 0 0 0,1 0-1 0 0,0 0 1 0 0,0 0 0 0 0,0 0 0 0 0,0 0 0 0 0,-1 0 0 0 0,1 0 0 0 0,0 0 0 0 0,0-1-1 0 0,0 1 1 0 0,0 0 0 0 0,0 0 0 0 0,-1 0 0 0 0,1 0 0 0 0,0 0 0 0 0,0-1 0 0 0,0 1 0 0 0,0 0-1 0 0,0 0 1 0 0,0 0 0 0 0,0 0 0 0 0,0-1 0 0 0,0 1 0 0 0,0 0 0 0 0,0 0 0 0 0,0 0-1 0 0,0-1 1 0 0,0 1 0 0 0,0 0 0 0 0,0 0 0 0 0,0 0 0 0 0,0 0 0 0 0,0-1 0 0 0,0 1 0 0 0,0 0-1 0 0,0 0 1 0 0,0 0 0 0 0,0-1 0 0 0,0 1 0 0 0,0 0 0 0 0,0 0 0 0 0,0 0 0 0 0,0 0-1 0 0,1-1 1 0 0,-1 1 0 0 0,0 0 0 0 0,0 0 0 0 0,9-15 475 0 0,-6 11-271 0 0,139-223 2943 0 0,-97 162-2719 0 0,3 3 1 0 0,3 2 0 0 0,2 1 0 0 0,62-51 0 0 0,-107 103-456 0 0,0 0 0 0 0,0 0 0 0 0,1 1-1 0 0,0 0 1 0 0,0 0 0 0 0,0 1 0 0 0,1 1 0 0 0,0-1 0 0 0,0 1 0 0 0,0 1 0 0 0,1 0 0 0 0,-1 1 0 0 0,13-2 0 0 0,-15 11-2052 0 0</inkml:trace>
+</inkml:ink>
+</file>
+
+<file path=ppt/ink/ink9.xml><?xml version="1.0" encoding="utf-8"?>
+<inkml:ink xmlns:inkml="http://www.w3.org/2003/InkML">
+  <inkml:definitions>
+    <inkml:context xml:id="ctx0">
+      <inkml:inkSource xml:id="inkSrc0">
+        <inkml:traceFormat>
+          <inkml:channel name="X" type="integer" min="-2.14748E9" max="2.14748E9" units="cm"/>
+          <inkml:channel name="Y" type="integer" min="-2.14748E9" max="2.14748E9" units="cm"/>
+          <inkml:channel name="F" type="integer" max="32767" units="dev"/>
+          <inkml:channel name="OA" type="integer" max="360" units="deg"/>
+          <inkml:channel name="OE" type="integer" max="90" units="deg"/>
+        </inkml:traceFormat>
+        <inkml:channelProperties>
+          <inkml:channelProperty channel="X" name="resolution" value="1000" units="1/cm"/>
+          <inkml:channelProperty channel="Y" name="resolution" value="1000" units="1/cm"/>
+          <inkml:channelProperty channel="F" name="resolution" value="0" units="1/dev"/>
+          <inkml:channelProperty channel="OA" name="resolution" value="1000" units="1/deg"/>
+          <inkml:channelProperty channel="OE" name="resolution" value="1000" units="1/deg"/>
+        </inkml:channelProperties>
+      </inkml:inkSource>
+      <inkml:timestamp xml:id="ts0" timeString="2025-05-17T14:40:11.665"/>
+    </inkml:context>
+    <inkml:brush xml:id="br0">
+      <inkml:brushProperty name="width" value="0.1" units="cm"/>
+      <inkml:brushProperty name="height" value="0.1" units="cm"/>
+      <inkml:brushProperty name="color" value="#E71224"/>
+    </inkml:brush>
+  </inkml:definitions>
+  <inkml:trace contextRef="#ctx0" brushRef="#br0">390 151 5633 0 0,'-8'0'718'0'0,"0"-1"0"0"0,0 0 0 0 0,0 0 0 0 0,0-1 1 0 0,0 0-1 0 0,1-1 0 0 0,-1 1 0 0 0,1-1 0 0 0,-1-1 0 0 0,-9-5 0 0 0,15 7-625 0 0,-1 1 0 0 0,1-1 1 0 0,0 0-1 0 0,-1 1 0 0 0,1-1 0 0 0,0 0 0 0 0,0 0 0 0 0,0-1 0 0 0,0 1 0 0 0,1 0 1 0 0,-1-1-1 0 0,0 1 0 0 0,1-1 0 0 0,0 1 0 0 0,0-1 0 0 0,-1 0 0 0 0,2 1 1 0 0,-1-1-1 0 0,0 0 0 0 0,0 0 0 0 0,1 0 0 0 0,0 1 0 0 0,-1-1 0 0 0,1 0 0 0 0,0 0 1 0 0,1 0-1 0 0,-1 0 0 0 0,0 0 0 0 0,1 0 0 0 0,0 0 0 0 0,1-5 0 0 0,0 6-80 0 0,-1-1 0 0 0,1 1 0 0 0,0 0-1 0 0,0-1 1 0 0,0 1 0 0 0,0 0 0 0 0,0 0-1 0 0,1 0 1 0 0,-1 0 0 0 0,1 1 0 0 0,-1-1-1 0 0,1 1 1 0 0,-1-1 0 0 0,1 1 0 0 0,0 0-1 0 0,0 0 1 0 0,0 0 0 0 0,-1 1 0 0 0,1-1-1 0 0,5 0 1 0 0,1-1-24 0 0,1 1-1 0 0,-1 1 0 0 0,1 0 0 0 0,-1 0 0 0 0,17 2 1 0 0,-14 1 9 0 0,-1 1 1 0 0,1 0-1 0 0,-1 1 1 0 0,0 0-1 0 0,0 0 1 0 0,-1 1-1 0 0,0 1 1 0 0,0 0 0 0 0,0 0-1 0 0,-1 1 1 0 0,0 0-1 0 0,0 1 1 0 0,-1-1-1 0 0,0 2 1 0 0,11 17-1 0 0,-4-5 2 0 0,-2 0-1 0 0,0 2 1 0 0,-1-1-1 0 0,-2 2 1 0 0,0-1-1 0 0,8 36 1 0 0,-13-35 20 0 0,-2 1 1 0 0,0-1-1 0 0,-1 1 0 0 0,-2-1 0 0 0,-1 1 1 0 0,0-1-1 0 0,-2 1 0 0 0,-1-1 1 0 0,-2 0-1 0 0,0 0 0 0 0,-1-1 0 0 0,-17 39 1 0 0,5-23 27 0 0,-1 0 0 0 0,-2-1 0 0 0,-2-1 1 0 0,-2-1-1 0 0,-1-1 0 0 0,-41 42 0 0 0,59-70-1 0 0,1 1 1 0 0,-1-2-1 0 0,0 0 0 0 0,0 0 0 0 0,-1 0 0 0 0,0-1 0 0 0,0-1 0 0 0,-1 1 0 0 0,0-2 1 0 0,-13 5-1 0 0,17-7-18 0 0,0-1 1 0 0,1 0 0 0 0,-1 0-1 0 0,0 0 1 0 0,0-1-1 0 0,0 0 1 0 0,1 0 0 0 0,-1-1-1 0 0,0 0 1 0 0,0 0 0 0 0,1 0-1 0 0,-1-1 1 0 0,1 0 0 0 0,-1-1-1 0 0,1 1 1 0 0,0-1-1 0 0,0 0 1 0 0,-11-8 0 0 0,4 0-9 0 0,0 0 0 0 0,1 0 0 0 0,0-2-1 0 0,1 1 1 0 0,1-1 0 0 0,0-1 0 0 0,0 0 0 0 0,-10-23 0 0 0,13 24-35 0 0,1 0 0 0 0,1 0 1 0 0,0-1-1 0 0,0 0 0 0 0,2 0 0 0 0,0 0 0 0 0,0 0 0 0 0,1 0 0 0 0,1 0 1 0 0,1-24-1 0 0,0 34 7 0 0,0 1 0 0 0,1 0 0 0 0,-1-1 1 0 0,1 1-1 0 0,-1-1 0 0 0,1 1 0 0 0,0 0 1 0 0,1 0-1 0 0,-1 0 0 0 0,1 0 0 0 0,-1 0 1 0 0,1 0-1 0 0,0 0 0 0 0,0 0 1 0 0,0 0-1 0 0,0 1 0 0 0,0-1 0 0 0,1 1 1 0 0,-1 0-1 0 0,1-1 0 0 0,0 1 0 0 0,0 0 1 0 0,0 1-1 0 0,0-1 0 0 0,0 0 0 0 0,0 1 1 0 0,0 0-1 0 0,0 0 0 0 0,0 0 0 0 0,1 0 1 0 0,-1 0-1 0 0,0 1 0 0 0,1-1 0 0 0,-1 1 1 0 0,1 0-1 0 0,-1 0 0 0 0,1 0 0 0 0,-1 0 1 0 0,5 2-1 0 0,6 0 6 0 0,-1 1 1 0 0,1 0-1 0 0,-1 1 0 0 0,0 1 0 0 0,0 0 1 0 0,-1 0-1 0 0,1 2 0 0 0,18 12 1 0 0,146 123 280 0 0,18 11 106 0 0,-171-137-70 0 0,1-1 0 0 0,1-1 0 0 0,1-2-1 0 0,-1 0 1 0 0,2-2 0 0 0,46 11 0 0 0,-70-20-233 0 0,2 0-133 0 0,0 1 1 0 0,0-1-1 0 0,0 0 1 0 0,0-1-1 0 0,0 0 0 0 0,6 0 1 0 0,7-8-3763 0 0,-1-13-4636 0 0,-13 7 2465 0 0</inkml:trace>
+</inkml:ink>
 </file>
 
 <file path=ppt/slideLayouts/slideLayout1.xml><?xml version="1.0" encoding="utf-8"?>
@@ -262,7 +588,7 @@
           <a:p>
             <a:fld id="{3DA1BA2C-5760-49A1-B02E-16886E01D598}" type="datetimeFigureOut">
               <a:rPr lang="zh-TW" altLang="en-US" smtClean="0"/>
-              <a:t>2025/5/17</a:t>
+              <a:t>2025/5/18</a:t>
             </a:fld>
             <a:endParaRPr lang="zh-TW" altLang="en-US"/>
           </a:p>
@@ -460,7 +786,7 @@
           <a:p>
             <a:fld id="{3DA1BA2C-5760-49A1-B02E-16886E01D598}" type="datetimeFigureOut">
               <a:rPr lang="zh-TW" altLang="en-US" smtClean="0"/>
-              <a:t>2025/5/17</a:t>
+              <a:t>2025/5/18</a:t>
             </a:fld>
             <a:endParaRPr lang="zh-TW" altLang="en-US"/>
           </a:p>
@@ -668,7 +994,7 @@
           <a:p>
             <a:fld id="{3DA1BA2C-5760-49A1-B02E-16886E01D598}" type="datetimeFigureOut">
               <a:rPr lang="zh-TW" altLang="en-US" smtClean="0"/>
-              <a:t>2025/5/17</a:t>
+              <a:t>2025/5/18</a:t>
             </a:fld>
             <a:endParaRPr lang="zh-TW" altLang="en-US"/>
           </a:p>
@@ -866,7 +1192,7 @@
           <a:p>
             <a:fld id="{3DA1BA2C-5760-49A1-B02E-16886E01D598}" type="datetimeFigureOut">
               <a:rPr lang="zh-TW" altLang="en-US" smtClean="0"/>
-              <a:t>2025/5/17</a:t>
+              <a:t>2025/5/18</a:t>
             </a:fld>
             <a:endParaRPr lang="zh-TW" altLang="en-US"/>
           </a:p>
@@ -1141,7 +1467,7 @@
           <a:p>
             <a:fld id="{3DA1BA2C-5760-49A1-B02E-16886E01D598}" type="datetimeFigureOut">
               <a:rPr lang="zh-TW" altLang="en-US" smtClean="0"/>
-              <a:t>2025/5/17</a:t>
+              <a:t>2025/5/18</a:t>
             </a:fld>
             <a:endParaRPr lang="zh-TW" altLang="en-US"/>
           </a:p>
@@ -1406,7 +1732,7 @@
           <a:p>
             <a:fld id="{3DA1BA2C-5760-49A1-B02E-16886E01D598}" type="datetimeFigureOut">
               <a:rPr lang="zh-TW" altLang="en-US" smtClean="0"/>
-              <a:t>2025/5/17</a:t>
+              <a:t>2025/5/18</a:t>
             </a:fld>
             <a:endParaRPr lang="zh-TW" altLang="en-US"/>
           </a:p>
@@ -1818,7 +2144,7 @@
           <a:p>
             <a:fld id="{3DA1BA2C-5760-49A1-B02E-16886E01D598}" type="datetimeFigureOut">
               <a:rPr lang="zh-TW" altLang="en-US" smtClean="0"/>
-              <a:t>2025/5/17</a:t>
+              <a:t>2025/5/18</a:t>
             </a:fld>
             <a:endParaRPr lang="zh-TW" altLang="en-US"/>
           </a:p>
@@ -1959,7 +2285,7 @@
           <a:p>
             <a:fld id="{3DA1BA2C-5760-49A1-B02E-16886E01D598}" type="datetimeFigureOut">
               <a:rPr lang="zh-TW" altLang="en-US" smtClean="0"/>
-              <a:t>2025/5/17</a:t>
+              <a:t>2025/5/18</a:t>
             </a:fld>
             <a:endParaRPr lang="zh-TW" altLang="en-US"/>
           </a:p>
@@ -2072,7 +2398,7 @@
           <a:p>
             <a:fld id="{3DA1BA2C-5760-49A1-B02E-16886E01D598}" type="datetimeFigureOut">
               <a:rPr lang="zh-TW" altLang="en-US" smtClean="0"/>
-              <a:t>2025/5/17</a:t>
+              <a:t>2025/5/18</a:t>
             </a:fld>
             <a:endParaRPr lang="zh-TW" altLang="en-US"/>
           </a:p>
@@ -2383,7 +2709,7 @@
           <a:p>
             <a:fld id="{3DA1BA2C-5760-49A1-B02E-16886E01D598}" type="datetimeFigureOut">
               <a:rPr lang="zh-TW" altLang="en-US" smtClean="0"/>
-              <a:t>2025/5/17</a:t>
+              <a:t>2025/5/18</a:t>
             </a:fld>
             <a:endParaRPr lang="zh-TW" altLang="en-US"/>
           </a:p>
@@ -2671,7 +2997,7 @@
           <a:p>
             <a:fld id="{3DA1BA2C-5760-49A1-B02E-16886E01D598}" type="datetimeFigureOut">
               <a:rPr lang="zh-TW" altLang="en-US" smtClean="0"/>
-              <a:t>2025/5/17</a:t>
+              <a:t>2025/5/18</a:t>
             </a:fld>
             <a:endParaRPr lang="zh-TW" altLang="en-US"/>
           </a:p>
@@ -2912,7 +3238,7 @@
           <a:p>
             <a:fld id="{3DA1BA2C-5760-49A1-B02E-16886E01D598}" type="datetimeFigureOut">
               <a:rPr lang="zh-TW" altLang="en-US" smtClean="0"/>
-              <a:t>2025/5/17</a:t>
+              <a:t>2025/5/18</a:t>
             </a:fld>
             <a:endParaRPr lang="zh-TW" altLang="en-US"/>
           </a:p>
@@ -3551,6 +3877,42 @@
 </p:sld>
 </file>
 
+<file path=ppt/slides/slide10.xml><?xml version="1.0" encoding="utf-8"?>
+<p:sld xmlns:a="http://schemas.openxmlformats.org/drawingml/2006/main" xmlns:r="http://schemas.openxmlformats.org/officeDocument/2006/relationships" xmlns:p="http://schemas.openxmlformats.org/presentationml/2006/main">
+  <p:cSld>
+    <p:spTree>
+      <p:nvGrpSpPr>
+        <p:cNvPr id="1" name="">
+          <a:extLst>
+            <a:ext uri="{FF2B5EF4-FFF2-40B4-BE49-F238E27FC236}">
+              <a16:creationId xmlns:a16="http://schemas.microsoft.com/office/drawing/2014/main" id="{2E50C558-2A26-4DE2-8FD5-662E48156DDD}"/>
+            </a:ext>
+          </a:extLst>
+        </p:cNvPr>
+        <p:cNvGrpSpPr/>
+        <p:nvPr/>
+      </p:nvGrpSpPr>
+      <p:grpSpPr>
+        <a:xfrm>
+          <a:off x="0" y="0"/>
+          <a:ext cx="0" cy="0"/>
+          <a:chOff x="0" y="0"/>
+          <a:chExt cx="0" cy="0"/>
+        </a:xfrm>
+      </p:grpSpPr>
+    </p:spTree>
+    <p:extLst>
+      <p:ext uri="{BB962C8B-B14F-4D97-AF65-F5344CB8AC3E}">
+        <p14:creationId xmlns:p14="http://schemas.microsoft.com/office/powerpoint/2010/main" val="1228004945"/>
+      </p:ext>
+    </p:extLst>
+  </p:cSld>
+  <p:clrMapOvr>
+    <a:masterClrMapping/>
+  </p:clrMapOvr>
+</p:sld>
+</file>
+
 <file path=ppt/slides/slide2.xml><?xml version="1.0" encoding="utf-8"?>
 <p:sld xmlns:a="http://schemas.openxmlformats.org/drawingml/2006/main" xmlns:r="http://schemas.openxmlformats.org/officeDocument/2006/relationships" xmlns:p="http://schemas.openxmlformats.org/presentationml/2006/main">
   <p:cSld>
@@ -3874,6 +4236,129 @@
           </a:p>
         </p:txBody>
       </p:sp>
+      <p:grpSp>
+        <p:nvGrpSpPr>
+          <p:cNvPr id="10" name="群組 9">
+            <a:extLst>
+              <a:ext uri="{FF2B5EF4-FFF2-40B4-BE49-F238E27FC236}">
+                <a16:creationId xmlns:a16="http://schemas.microsoft.com/office/drawing/2014/main" id="{F5191548-DC43-6BE3-7E6F-60AF3683B9ED}"/>
+              </a:ext>
+            </a:extLst>
+          </p:cNvPr>
+          <p:cNvGrpSpPr/>
+          <p:nvPr/>
+        </p:nvGrpSpPr>
+        <p:grpSpPr>
+          <a:xfrm>
+            <a:off x="1279345" y="1380935"/>
+            <a:ext cx="6769080" cy="3739320"/>
+            <a:chOff x="1279345" y="1380935"/>
+            <a:chExt cx="6769080" cy="3739320"/>
+          </a:xfrm>
+        </p:grpSpPr>
+        <mc:AlternateContent xmlns:mc="http://schemas.openxmlformats.org/markup-compatibility/2006" xmlns:p14="http://schemas.microsoft.com/office/powerpoint/2010/main">
+          <mc:Choice Requires="p14">
+            <p:contentPart p14:bwMode="auto" r:id="rId3">
+              <p14:nvContentPartPr>
+                <p14:cNvPr id="8" name="筆跡 7">
+                  <a:extLst>
+                    <a:ext uri="{FF2B5EF4-FFF2-40B4-BE49-F238E27FC236}">
+                      <a16:creationId xmlns:a16="http://schemas.microsoft.com/office/drawing/2014/main" id="{D79D24B2-3E65-AEE2-91B3-109FA9D2E7B5}"/>
+                    </a:ext>
+                  </a:extLst>
+                </p14:cNvPr>
+                <p14:cNvContentPartPr/>
+                <p14:nvPr/>
+              </p14:nvContentPartPr>
+              <p14:xfrm>
+                <a:off x="1279345" y="1380935"/>
+                <a:ext cx="6769080" cy="3739320"/>
+              </p14:xfrm>
+            </p:contentPart>
+          </mc:Choice>
+          <mc:Fallback xmlns="">
+            <p:pic>
+              <p:nvPicPr>
+                <p:cNvPr id="8" name="筆跡 7">
+                  <a:extLst>
+                    <a:ext uri="{FF2B5EF4-FFF2-40B4-BE49-F238E27FC236}">
+                      <a16:creationId xmlns:a16="http://schemas.microsoft.com/office/drawing/2014/main" id="{D79D24B2-3E65-AEE2-91B3-109FA9D2E7B5}"/>
+                    </a:ext>
+                  </a:extLst>
+                </p:cNvPr>
+                <p:cNvPicPr/>
+                <p:nvPr/>
+              </p:nvPicPr>
+              <p:blipFill>
+                <a:blip r:embed="rId4"/>
+                <a:stretch>
+                  <a:fillRect/>
+                </a:stretch>
+              </p:blipFill>
+              <p:spPr>
+                <a:xfrm>
+                  <a:off x="1261705" y="1363295"/>
+                  <a:ext cx="6804720" cy="3774960"/>
+                </a:xfrm>
+                <a:prstGeom prst="rect">
+                  <a:avLst/>
+                </a:prstGeom>
+              </p:spPr>
+            </p:pic>
+          </mc:Fallback>
+        </mc:AlternateContent>
+        <mc:AlternateContent xmlns:mc="http://schemas.openxmlformats.org/markup-compatibility/2006" xmlns:p14="http://schemas.microsoft.com/office/powerpoint/2010/main">
+          <mc:Choice Requires="p14">
+            <p:contentPart p14:bwMode="auto" r:id="rId5">
+              <p14:nvContentPartPr>
+                <p14:cNvPr id="9" name="筆跡 8">
+                  <a:extLst>
+                    <a:ext uri="{FF2B5EF4-FFF2-40B4-BE49-F238E27FC236}">
+                      <a16:creationId xmlns:a16="http://schemas.microsoft.com/office/drawing/2014/main" id="{6F2C0F5A-7524-809A-76D9-28918537646E}"/>
+                    </a:ext>
+                  </a:extLst>
+                </p14:cNvPr>
+                <p14:cNvContentPartPr/>
+                <p14:nvPr/>
+              </p14:nvContentPartPr>
+              <p14:xfrm>
+                <a:off x="1537825" y="2089415"/>
+                <a:ext cx="214920" cy="168840"/>
+              </p14:xfrm>
+            </p:contentPart>
+          </mc:Choice>
+          <mc:Fallback xmlns="">
+            <p:pic>
+              <p:nvPicPr>
+                <p:cNvPr id="9" name="筆跡 8">
+                  <a:extLst>
+                    <a:ext uri="{FF2B5EF4-FFF2-40B4-BE49-F238E27FC236}">
+                      <a16:creationId xmlns:a16="http://schemas.microsoft.com/office/drawing/2014/main" id="{6F2C0F5A-7524-809A-76D9-28918537646E}"/>
+                    </a:ext>
+                  </a:extLst>
+                </p:cNvPr>
+                <p:cNvPicPr/>
+                <p:nvPr/>
+              </p:nvPicPr>
+              <p:blipFill>
+                <a:blip r:embed="rId6"/>
+                <a:stretch>
+                  <a:fillRect/>
+                </a:stretch>
+              </p:blipFill>
+              <p:spPr>
+                <a:xfrm>
+                  <a:off x="1519825" y="2071775"/>
+                  <a:ext cx="250560" cy="204480"/>
+                </a:xfrm>
+                <a:prstGeom prst="rect">
+                  <a:avLst/>
+                </a:prstGeom>
+              </p:spPr>
+            </p:pic>
+          </mc:Fallback>
+        </mc:AlternateContent>
+      </p:grpSp>
     </p:spTree>
     <p:extLst>
       <p:ext uri="{BB962C8B-B14F-4D97-AF65-F5344CB8AC3E}">
@@ -3970,6 +4455,498 @@
           </a:p>
         </p:txBody>
       </p:sp>
+      <p:grpSp>
+        <p:nvGrpSpPr>
+          <p:cNvPr id="11" name="群組 10">
+            <a:extLst>
+              <a:ext uri="{FF2B5EF4-FFF2-40B4-BE49-F238E27FC236}">
+                <a16:creationId xmlns:a16="http://schemas.microsoft.com/office/drawing/2014/main" id="{184FD5AF-3A48-869D-46D9-D994C7E98A67}"/>
+              </a:ext>
+            </a:extLst>
+          </p:cNvPr>
+          <p:cNvGrpSpPr/>
+          <p:nvPr/>
+        </p:nvGrpSpPr>
+        <p:grpSpPr>
+          <a:xfrm>
+            <a:off x="1619545" y="1494335"/>
+            <a:ext cx="6240960" cy="3553200"/>
+            <a:chOff x="1619545" y="1494335"/>
+            <a:chExt cx="6240960" cy="3553200"/>
+          </a:xfrm>
+        </p:grpSpPr>
+        <mc:AlternateContent xmlns:mc="http://schemas.openxmlformats.org/markup-compatibility/2006" xmlns:p14="http://schemas.microsoft.com/office/powerpoint/2010/main">
+          <mc:Choice Requires="p14">
+            <p:contentPart p14:bwMode="auto" r:id="rId3">
+              <p14:nvContentPartPr>
+                <p14:cNvPr id="9" name="筆跡 8">
+                  <a:extLst>
+                    <a:ext uri="{FF2B5EF4-FFF2-40B4-BE49-F238E27FC236}">
+                      <a16:creationId xmlns:a16="http://schemas.microsoft.com/office/drawing/2014/main" id="{BC77A1F2-B2FE-60DE-CA86-0F5B3038DFA3}"/>
+                    </a:ext>
+                  </a:extLst>
+                </p14:cNvPr>
+                <p14:cNvContentPartPr/>
+                <p14:nvPr/>
+              </p14:nvContentPartPr>
+              <p14:xfrm>
+                <a:off x="1619545" y="1494335"/>
+                <a:ext cx="6240960" cy="3553200"/>
+              </p14:xfrm>
+            </p:contentPart>
+          </mc:Choice>
+          <mc:Fallback xmlns="">
+            <p:pic>
+              <p:nvPicPr>
+                <p:cNvPr id="9" name="筆跡 8">
+                  <a:extLst>
+                    <a:ext uri="{FF2B5EF4-FFF2-40B4-BE49-F238E27FC236}">
+                      <a16:creationId xmlns:a16="http://schemas.microsoft.com/office/drawing/2014/main" id="{BC77A1F2-B2FE-60DE-CA86-0F5B3038DFA3}"/>
+                    </a:ext>
+                  </a:extLst>
+                </p:cNvPr>
+                <p:cNvPicPr/>
+                <p:nvPr/>
+              </p:nvPicPr>
+              <p:blipFill>
+                <a:blip r:embed="rId4"/>
+                <a:stretch>
+                  <a:fillRect/>
+                </a:stretch>
+              </p:blipFill>
+              <p:spPr>
+                <a:xfrm>
+                  <a:off x="1601545" y="1476335"/>
+                  <a:ext cx="6276600" cy="3588840"/>
+                </a:xfrm>
+                <a:prstGeom prst="rect">
+                  <a:avLst/>
+                </a:prstGeom>
+              </p:spPr>
+            </p:pic>
+          </mc:Fallback>
+        </mc:AlternateContent>
+        <mc:AlternateContent xmlns:mc="http://schemas.openxmlformats.org/markup-compatibility/2006" xmlns:p14="http://schemas.microsoft.com/office/powerpoint/2010/main">
+          <mc:Choice Requires="p14">
+            <p:contentPart p14:bwMode="auto" r:id="rId5">
+              <p14:nvContentPartPr>
+                <p14:cNvPr id="10" name="筆跡 9">
+                  <a:extLst>
+                    <a:ext uri="{FF2B5EF4-FFF2-40B4-BE49-F238E27FC236}">
+                      <a16:creationId xmlns:a16="http://schemas.microsoft.com/office/drawing/2014/main" id="{B7C193A1-1E02-B70C-0C6F-51C1E385C680}"/>
+                    </a:ext>
+                  </a:extLst>
+                </p14:cNvPr>
+                <p14:cNvContentPartPr/>
+                <p14:nvPr/>
+              </p14:nvContentPartPr>
+              <p14:xfrm>
+                <a:off x="1837705" y="2060975"/>
+                <a:ext cx="210600" cy="162360"/>
+              </p14:xfrm>
+            </p:contentPart>
+          </mc:Choice>
+          <mc:Fallback xmlns="">
+            <p:pic>
+              <p:nvPicPr>
+                <p:cNvPr id="10" name="筆跡 9">
+                  <a:extLst>
+                    <a:ext uri="{FF2B5EF4-FFF2-40B4-BE49-F238E27FC236}">
+                      <a16:creationId xmlns:a16="http://schemas.microsoft.com/office/drawing/2014/main" id="{B7C193A1-1E02-B70C-0C6F-51C1E385C680}"/>
+                    </a:ext>
+                  </a:extLst>
+                </p:cNvPr>
+                <p:cNvPicPr/>
+                <p:nvPr/>
+              </p:nvPicPr>
+              <p:blipFill>
+                <a:blip r:embed="rId6"/>
+                <a:stretch>
+                  <a:fillRect/>
+                </a:stretch>
+              </p:blipFill>
+              <p:spPr>
+                <a:xfrm>
+                  <a:off x="1820065" y="2042975"/>
+                  <a:ext cx="246240" cy="198000"/>
+                </a:xfrm>
+                <a:prstGeom prst="rect">
+                  <a:avLst/>
+                </a:prstGeom>
+              </p:spPr>
+            </p:pic>
+          </mc:Fallback>
+        </mc:AlternateContent>
+      </p:grpSp>
+      <p:grpSp>
+        <p:nvGrpSpPr>
+          <p:cNvPr id="14" name="群組 13">
+            <a:extLst>
+              <a:ext uri="{FF2B5EF4-FFF2-40B4-BE49-F238E27FC236}">
+                <a16:creationId xmlns:a16="http://schemas.microsoft.com/office/drawing/2014/main" id="{65515266-6050-8F74-5381-6DEF511E5C9A}"/>
+              </a:ext>
+            </a:extLst>
+          </p:cNvPr>
+          <p:cNvGrpSpPr/>
+          <p:nvPr/>
+        </p:nvGrpSpPr>
+        <p:grpSpPr>
+          <a:xfrm>
+            <a:off x="3228385" y="1962695"/>
+            <a:ext cx="183240" cy="288360"/>
+            <a:chOff x="3228385" y="1962695"/>
+            <a:chExt cx="183240" cy="288360"/>
+          </a:xfrm>
+        </p:grpSpPr>
+        <mc:AlternateContent xmlns:mc="http://schemas.openxmlformats.org/markup-compatibility/2006" xmlns:p14="http://schemas.microsoft.com/office/powerpoint/2010/main">
+          <mc:Choice Requires="p14">
+            <p:contentPart p14:bwMode="auto" r:id="rId7">
+              <p14:nvContentPartPr>
+                <p14:cNvPr id="12" name="筆跡 11">
+                  <a:extLst>
+                    <a:ext uri="{FF2B5EF4-FFF2-40B4-BE49-F238E27FC236}">
+                      <a16:creationId xmlns:a16="http://schemas.microsoft.com/office/drawing/2014/main" id="{6467C82B-3FF0-015C-969B-BBBA0004CDBF}"/>
+                    </a:ext>
+                  </a:extLst>
+                </p14:cNvPr>
+                <p14:cNvContentPartPr/>
+                <p14:nvPr/>
+              </p14:nvContentPartPr>
+              <p14:xfrm>
+                <a:off x="3228385" y="1962695"/>
+                <a:ext cx="38520" cy="283680"/>
+              </p14:xfrm>
+            </p:contentPart>
+          </mc:Choice>
+          <mc:Fallback xmlns="">
+            <p:pic>
+              <p:nvPicPr>
+                <p:cNvPr id="12" name="筆跡 11">
+                  <a:extLst>
+                    <a:ext uri="{FF2B5EF4-FFF2-40B4-BE49-F238E27FC236}">
+                      <a16:creationId xmlns:a16="http://schemas.microsoft.com/office/drawing/2014/main" id="{6467C82B-3FF0-015C-969B-BBBA0004CDBF}"/>
+                    </a:ext>
+                  </a:extLst>
+                </p:cNvPr>
+                <p:cNvPicPr/>
+                <p:nvPr/>
+              </p:nvPicPr>
+              <p:blipFill>
+                <a:blip r:embed="rId8"/>
+                <a:stretch>
+                  <a:fillRect/>
+                </a:stretch>
+              </p:blipFill>
+              <p:spPr>
+                <a:xfrm>
+                  <a:off x="3210745" y="1945055"/>
+                  <a:ext cx="74160" cy="319320"/>
+                </a:xfrm>
+                <a:prstGeom prst="rect">
+                  <a:avLst/>
+                </a:prstGeom>
+              </p:spPr>
+            </p:pic>
+          </mc:Fallback>
+        </mc:AlternateContent>
+        <mc:AlternateContent xmlns:mc="http://schemas.openxmlformats.org/markup-compatibility/2006" xmlns:p14="http://schemas.microsoft.com/office/powerpoint/2010/main">
+          <mc:Choice Requires="p14">
+            <p:contentPart p14:bwMode="auto" r:id="rId9">
+              <p14:nvContentPartPr>
+                <p14:cNvPr id="13" name="筆跡 12">
+                  <a:extLst>
+                    <a:ext uri="{FF2B5EF4-FFF2-40B4-BE49-F238E27FC236}">
+                      <a16:creationId xmlns:a16="http://schemas.microsoft.com/office/drawing/2014/main" id="{B2550A60-4B38-61A9-F22D-5FE6224A582F}"/>
+                    </a:ext>
+                  </a:extLst>
+                </p14:cNvPr>
+                <p14:cNvContentPartPr/>
+                <p14:nvPr/>
+              </p14:nvContentPartPr>
+              <p14:xfrm>
+                <a:off x="3355465" y="2179055"/>
+                <a:ext cx="56160" cy="72000"/>
+              </p14:xfrm>
+            </p:contentPart>
+          </mc:Choice>
+          <mc:Fallback xmlns="">
+            <p:pic>
+              <p:nvPicPr>
+                <p:cNvPr id="13" name="筆跡 12">
+                  <a:extLst>
+                    <a:ext uri="{FF2B5EF4-FFF2-40B4-BE49-F238E27FC236}">
+                      <a16:creationId xmlns:a16="http://schemas.microsoft.com/office/drawing/2014/main" id="{B2550A60-4B38-61A9-F22D-5FE6224A582F}"/>
+                    </a:ext>
+                  </a:extLst>
+                </p:cNvPr>
+                <p:cNvPicPr/>
+                <p:nvPr/>
+              </p:nvPicPr>
+              <p:blipFill>
+                <a:blip r:embed="rId10"/>
+                <a:stretch>
+                  <a:fillRect/>
+                </a:stretch>
+              </p:blipFill>
+              <p:spPr>
+                <a:xfrm>
+                  <a:off x="3337825" y="2161055"/>
+                  <a:ext cx="91800" cy="107640"/>
+                </a:xfrm>
+                <a:prstGeom prst="rect">
+                  <a:avLst/>
+                </a:prstGeom>
+              </p:spPr>
+            </p:pic>
+          </mc:Fallback>
+        </mc:AlternateContent>
+      </p:grpSp>
+      <p:grpSp>
+        <p:nvGrpSpPr>
+          <p:cNvPr id="17" name="群組 16">
+            <a:extLst>
+              <a:ext uri="{FF2B5EF4-FFF2-40B4-BE49-F238E27FC236}">
+                <a16:creationId xmlns:a16="http://schemas.microsoft.com/office/drawing/2014/main" id="{6CC47C1C-4B6E-6910-1D4A-A881902D8681}"/>
+              </a:ext>
+            </a:extLst>
+          </p:cNvPr>
+          <p:cNvGrpSpPr/>
+          <p:nvPr/>
+        </p:nvGrpSpPr>
+        <p:grpSpPr>
+          <a:xfrm>
+            <a:off x="1110865" y="746615"/>
+            <a:ext cx="9986400" cy="5073840"/>
+            <a:chOff x="1110865" y="746615"/>
+            <a:chExt cx="9986400" cy="5073840"/>
+          </a:xfrm>
+        </p:grpSpPr>
+        <mc:AlternateContent xmlns:mc="http://schemas.openxmlformats.org/markup-compatibility/2006" xmlns:p14="http://schemas.microsoft.com/office/powerpoint/2010/main">
+          <mc:Choice Requires="p14">
+            <p:contentPart p14:bwMode="auto" r:id="rId11">
+              <p14:nvContentPartPr>
+                <p14:cNvPr id="15" name="筆跡 14">
+                  <a:extLst>
+                    <a:ext uri="{FF2B5EF4-FFF2-40B4-BE49-F238E27FC236}">
+                      <a16:creationId xmlns:a16="http://schemas.microsoft.com/office/drawing/2014/main" id="{A0868CCC-CC6E-9A5F-7351-C4C2387D25C5}"/>
+                    </a:ext>
+                  </a:extLst>
+                </p14:cNvPr>
+                <p14:cNvContentPartPr/>
+                <p14:nvPr/>
+              </p14:nvContentPartPr>
+              <p14:xfrm>
+                <a:off x="1110865" y="746615"/>
+                <a:ext cx="9986400" cy="5073840"/>
+              </p14:xfrm>
+            </p:contentPart>
+          </mc:Choice>
+          <mc:Fallback xmlns="">
+            <p:pic>
+              <p:nvPicPr>
+                <p:cNvPr id="15" name="筆跡 14">
+                  <a:extLst>
+                    <a:ext uri="{FF2B5EF4-FFF2-40B4-BE49-F238E27FC236}">
+                      <a16:creationId xmlns:a16="http://schemas.microsoft.com/office/drawing/2014/main" id="{A0868CCC-CC6E-9A5F-7351-C4C2387D25C5}"/>
+                    </a:ext>
+                  </a:extLst>
+                </p:cNvPr>
+                <p:cNvPicPr/>
+                <p:nvPr/>
+              </p:nvPicPr>
+              <p:blipFill>
+                <a:blip r:embed="rId12"/>
+                <a:stretch>
+                  <a:fillRect/>
+                </a:stretch>
+              </p:blipFill>
+              <p:spPr>
+                <a:xfrm>
+                  <a:off x="1093225" y="728975"/>
+                  <a:ext cx="10022040" cy="5109480"/>
+                </a:xfrm>
+                <a:prstGeom prst="rect">
+                  <a:avLst/>
+                </a:prstGeom>
+              </p:spPr>
+            </p:pic>
+          </mc:Fallback>
+        </mc:AlternateContent>
+        <mc:AlternateContent xmlns:mc="http://schemas.openxmlformats.org/markup-compatibility/2006" xmlns:p14="http://schemas.microsoft.com/office/powerpoint/2010/main">
+          <mc:Choice Requires="p14">
+            <p:contentPart p14:bwMode="auto" r:id="rId13">
+              <p14:nvContentPartPr>
+                <p14:cNvPr id="16" name="筆跡 15">
+                  <a:extLst>
+                    <a:ext uri="{FF2B5EF4-FFF2-40B4-BE49-F238E27FC236}">
+                      <a16:creationId xmlns:a16="http://schemas.microsoft.com/office/drawing/2014/main" id="{52887120-1B4A-0DC8-1E4C-E2FB7736176D}"/>
+                    </a:ext>
+                  </a:extLst>
+                </p14:cNvPr>
+                <p14:cNvContentPartPr/>
+                <p14:nvPr/>
+              </p14:nvContentPartPr>
+              <p14:xfrm>
+                <a:off x="1289425" y="1980335"/>
+                <a:ext cx="223200" cy="244800"/>
+              </p14:xfrm>
+            </p:contentPart>
+          </mc:Choice>
+          <mc:Fallback xmlns="">
+            <p:pic>
+              <p:nvPicPr>
+                <p:cNvPr id="16" name="筆跡 15">
+                  <a:extLst>
+                    <a:ext uri="{FF2B5EF4-FFF2-40B4-BE49-F238E27FC236}">
+                      <a16:creationId xmlns:a16="http://schemas.microsoft.com/office/drawing/2014/main" id="{52887120-1B4A-0DC8-1E4C-E2FB7736176D}"/>
+                    </a:ext>
+                  </a:extLst>
+                </p:cNvPr>
+                <p:cNvPicPr/>
+                <p:nvPr/>
+              </p:nvPicPr>
+              <p:blipFill>
+                <a:blip r:embed="rId14"/>
+                <a:stretch>
+                  <a:fillRect/>
+                </a:stretch>
+              </p:blipFill>
+              <p:spPr>
+                <a:xfrm>
+                  <a:off x="1271785" y="1962695"/>
+                  <a:ext cx="258840" cy="280440"/>
+                </a:xfrm>
+                <a:prstGeom prst="rect">
+                  <a:avLst/>
+                </a:prstGeom>
+              </p:spPr>
+            </p:pic>
+          </mc:Fallback>
+        </mc:AlternateContent>
+      </p:grpSp>
+      <p:grpSp>
+        <p:nvGrpSpPr>
+          <p:cNvPr id="20" name="群組 19">
+            <a:extLst>
+              <a:ext uri="{FF2B5EF4-FFF2-40B4-BE49-F238E27FC236}">
+                <a16:creationId xmlns:a16="http://schemas.microsoft.com/office/drawing/2014/main" id="{6D7D6FED-9E75-05C3-AC2F-E75012A7C647}"/>
+              </a:ext>
+            </a:extLst>
+          </p:cNvPr>
+          <p:cNvGrpSpPr/>
+          <p:nvPr/>
+        </p:nvGrpSpPr>
+        <p:grpSpPr>
+          <a:xfrm>
+            <a:off x="639265" y="2807615"/>
+            <a:ext cx="430920" cy="402480"/>
+            <a:chOff x="639265" y="2807615"/>
+            <a:chExt cx="430920" cy="402480"/>
+          </a:xfrm>
+        </p:grpSpPr>
+        <mc:AlternateContent xmlns:mc="http://schemas.openxmlformats.org/markup-compatibility/2006" xmlns:p14="http://schemas.microsoft.com/office/powerpoint/2010/main">
+          <mc:Choice Requires="p14">
+            <p:contentPart p14:bwMode="auto" r:id="rId15">
+              <p14:nvContentPartPr>
+                <p14:cNvPr id="18" name="筆跡 17">
+                  <a:extLst>
+                    <a:ext uri="{FF2B5EF4-FFF2-40B4-BE49-F238E27FC236}">
+                      <a16:creationId xmlns:a16="http://schemas.microsoft.com/office/drawing/2014/main" id="{C718147B-00EA-8782-25EE-A38B8025FD0C}"/>
+                    </a:ext>
+                  </a:extLst>
+                </p14:cNvPr>
+                <p14:cNvContentPartPr/>
+                <p14:nvPr/>
+              </p14:nvContentPartPr>
+              <p14:xfrm>
+                <a:off x="639265" y="2807615"/>
+                <a:ext cx="334440" cy="402480"/>
+              </p14:xfrm>
+            </p:contentPart>
+          </mc:Choice>
+          <mc:Fallback xmlns="">
+            <p:pic>
+              <p:nvPicPr>
+                <p:cNvPr id="18" name="筆跡 17">
+                  <a:extLst>
+                    <a:ext uri="{FF2B5EF4-FFF2-40B4-BE49-F238E27FC236}">
+                      <a16:creationId xmlns:a16="http://schemas.microsoft.com/office/drawing/2014/main" id="{C718147B-00EA-8782-25EE-A38B8025FD0C}"/>
+                    </a:ext>
+                  </a:extLst>
+                </p:cNvPr>
+                <p:cNvPicPr/>
+                <p:nvPr/>
+              </p:nvPicPr>
+              <p:blipFill>
+                <a:blip r:embed="rId16"/>
+                <a:stretch>
+                  <a:fillRect/>
+                </a:stretch>
+              </p:blipFill>
+              <p:spPr>
+                <a:xfrm>
+                  <a:off x="621625" y="2789975"/>
+                  <a:ext cx="370080" cy="438120"/>
+                </a:xfrm>
+                <a:prstGeom prst="rect">
+                  <a:avLst/>
+                </a:prstGeom>
+              </p:spPr>
+            </p:pic>
+          </mc:Fallback>
+        </mc:AlternateContent>
+        <mc:AlternateContent xmlns:mc="http://schemas.openxmlformats.org/markup-compatibility/2006" xmlns:p14="http://schemas.microsoft.com/office/powerpoint/2010/main">
+          <mc:Choice Requires="p14">
+            <p:contentPart p14:bwMode="auto" r:id="rId17">
+              <p14:nvContentPartPr>
+                <p14:cNvPr id="19" name="筆跡 18">
+                  <a:extLst>
+                    <a:ext uri="{FF2B5EF4-FFF2-40B4-BE49-F238E27FC236}">
+                      <a16:creationId xmlns:a16="http://schemas.microsoft.com/office/drawing/2014/main" id="{039D87B1-7D8E-87C0-6E08-02D05992FFE5}"/>
+                    </a:ext>
+                  </a:extLst>
+                </p14:cNvPr>
+                <p14:cNvContentPartPr/>
+                <p14:nvPr/>
+              </p14:nvContentPartPr>
+              <p14:xfrm>
+                <a:off x="1052185" y="3116495"/>
+                <a:ext cx="18000" cy="39240"/>
+              </p14:xfrm>
+            </p:contentPart>
+          </mc:Choice>
+          <mc:Fallback xmlns="">
+            <p:pic>
+              <p:nvPicPr>
+                <p:cNvPr id="19" name="筆跡 18">
+                  <a:extLst>
+                    <a:ext uri="{FF2B5EF4-FFF2-40B4-BE49-F238E27FC236}">
+                      <a16:creationId xmlns:a16="http://schemas.microsoft.com/office/drawing/2014/main" id="{039D87B1-7D8E-87C0-6E08-02D05992FFE5}"/>
+                    </a:ext>
+                  </a:extLst>
+                </p:cNvPr>
+                <p:cNvPicPr/>
+                <p:nvPr/>
+              </p:nvPicPr>
+              <p:blipFill>
+                <a:blip r:embed="rId18"/>
+                <a:stretch>
+                  <a:fillRect/>
+                </a:stretch>
+              </p:blipFill>
+              <p:spPr>
+                <a:xfrm>
+                  <a:off x="1034185" y="3098855"/>
+                  <a:ext cx="53640" cy="74880"/>
+                </a:xfrm>
+                <a:prstGeom prst="rect">
+                  <a:avLst/>
+                </a:prstGeom>
+              </p:spPr>
+            </p:pic>
+          </mc:Fallback>
+        </mc:AlternateContent>
+      </p:grpSp>
     </p:spTree>
     <p:extLst>
       <p:ext uri="{BB962C8B-B14F-4D97-AF65-F5344CB8AC3E}">
@@ -4536,6 +5513,388 @@
   <p:cSld>
     <p:spTree>
       <p:nvGrpSpPr>
+        <p:cNvPr id="1" name="">
+          <a:extLst>
+            <a:ext uri="{FF2B5EF4-FFF2-40B4-BE49-F238E27FC236}">
+              <a16:creationId xmlns:a16="http://schemas.microsoft.com/office/drawing/2014/main" id="{3F7EBC4E-ED33-7E9A-A629-E391EB7A750E}"/>
+            </a:ext>
+          </a:extLst>
+        </p:cNvPr>
+        <p:cNvGrpSpPr/>
+        <p:nvPr/>
+      </p:nvGrpSpPr>
+      <p:grpSpPr>
+        <a:xfrm>
+          <a:off x="0" y="0"/>
+          <a:ext cx="0" cy="0"/>
+          <a:chOff x="0" y="0"/>
+          <a:chExt cx="0" cy="0"/>
+        </a:xfrm>
+      </p:grpSpPr>
+      <p:sp>
+        <p:nvSpPr>
+          <p:cNvPr id="2" name="文字方塊 1">
+            <a:extLst>
+              <a:ext uri="{FF2B5EF4-FFF2-40B4-BE49-F238E27FC236}">
+                <a16:creationId xmlns:a16="http://schemas.microsoft.com/office/drawing/2014/main" id="{15E4A071-9BA9-A4C3-C41A-59437736F7F0}"/>
+              </a:ext>
+            </a:extLst>
+          </p:cNvPr>
+          <p:cNvSpPr txBox="1"/>
+          <p:nvPr/>
+        </p:nvSpPr>
+        <p:spPr>
+          <a:xfrm>
+            <a:off x="482885" y="369870"/>
+            <a:ext cx="7857664" cy="3139321"/>
+          </a:xfrm>
+          <a:prstGeom prst="rect">
+            <a:avLst/>
+          </a:prstGeom>
+          <a:noFill/>
+        </p:spPr>
+        <p:txBody>
+          <a:bodyPr wrap="none" rtlCol="0">
+            <a:spAutoFit/>
+          </a:bodyPr>
+          <a:lstStyle/>
+          <a:p>
+            <a:r>
+              <a:rPr lang="en-US" altLang="zh-TW" dirty="0"/>
+              <a:t>SM</a:t>
+            </a:r>
+            <a:r>
+              <a:rPr lang="zh-TW" altLang="en-US" dirty="0"/>
+              <a:t> </a:t>
+            </a:r>
+            <a:r>
+              <a:rPr lang="en-US" altLang="zh-TW" dirty="0"/>
+              <a:t>update </a:t>
+            </a:r>
+            <a:r>
+              <a:rPr lang="zh-TW" altLang="en-US" dirty="0"/>
+              <a:t>規則</a:t>
+            </a:r>
+            <a:r>
+              <a:rPr lang="en-US" altLang="zh-TW" dirty="0"/>
+              <a:t>:</a:t>
+            </a:r>
+          </a:p>
+          <a:p>
+            <a:endParaRPr lang="en-US" altLang="zh-TW" dirty="0"/>
+          </a:p>
+          <a:p>
+            <a:pPr marL="342900" indent="-342900">
+              <a:buAutoNum type="arabicPeriod"/>
+            </a:pPr>
+            <a:r>
+              <a:rPr lang="en-US" altLang="zh-TW" dirty="0"/>
+              <a:t>op_mode </a:t>
+            </a:r>
+            <a:r>
+              <a:rPr lang="zh-TW" altLang="en-US" dirty="0"/>
+              <a:t>由 </a:t>
+            </a:r>
+            <a:r>
+              <a:rPr lang="en-US" altLang="zh-TW" dirty="0"/>
+              <a:t>Nios2 CPU </a:t>
+            </a:r>
+            <a:r>
+              <a:rPr lang="zh-TW" altLang="en-US" dirty="0"/>
+              <a:t>給定，一般分為</a:t>
+            </a:r>
+            <a:r>
+              <a:rPr lang="en-US" altLang="zh-TW" dirty="0"/>
+              <a:t>:</a:t>
+            </a:r>
+          </a:p>
+          <a:p>
+            <a:pPr marL="800100" lvl="1" indent="-342900">
+              <a:buAutoNum type="arabicPeriod"/>
+            </a:pPr>
+            <a:r>
+              <a:rPr lang="en-US" altLang="zh-TW" dirty="0"/>
+              <a:t>CPU_WREG:</a:t>
+            </a:r>
+            <a:r>
+              <a:rPr lang="zh-TW" altLang="en-US" dirty="0"/>
+              <a:t> </a:t>
+            </a:r>
+            <a:r>
+              <a:rPr lang="en-US" altLang="zh-TW" dirty="0"/>
+              <a:t>CPU</a:t>
+            </a:r>
+            <a:r>
+              <a:rPr lang="zh-TW" altLang="en-US" dirty="0"/>
+              <a:t> 寫 </a:t>
+            </a:r>
+            <a:r>
+              <a:rPr lang="en-US" altLang="zh-TW" dirty="0"/>
+              <a:t>register </a:t>
+            </a:r>
+            <a:r>
+              <a:rPr lang="zh-TW" altLang="en-US" dirty="0"/>
+              <a:t>模式</a:t>
+            </a:r>
+            <a:endParaRPr lang="en-US" altLang="zh-TW" dirty="0"/>
+          </a:p>
+          <a:p>
+            <a:pPr marL="800100" lvl="1" indent="-342900">
+              <a:buAutoNum type="arabicPeriod"/>
+            </a:pPr>
+            <a:r>
+              <a:rPr lang="en-US" altLang="zh-TW" dirty="0"/>
+              <a:t>CPU_RREG:</a:t>
+            </a:r>
+            <a:r>
+              <a:rPr lang="zh-TW" altLang="en-US" dirty="0"/>
+              <a:t> </a:t>
+            </a:r>
+            <a:r>
+              <a:rPr lang="en-US" altLang="zh-TW" dirty="0"/>
+              <a:t>CPU </a:t>
+            </a:r>
+            <a:r>
+              <a:rPr lang="zh-TW" altLang="en-US" dirty="0"/>
+              <a:t>讀</a:t>
+            </a:r>
+            <a:r>
+              <a:rPr lang="en-US" altLang="zh-TW" dirty="0"/>
+              <a:t>register</a:t>
+            </a:r>
+            <a:r>
+              <a:rPr lang="zh-TW" altLang="en-US" dirty="0"/>
+              <a:t> 模式</a:t>
+            </a:r>
+            <a:endParaRPr lang="en-US" altLang="zh-TW" dirty="0"/>
+          </a:p>
+          <a:p>
+            <a:pPr marL="800100" lvl="1" indent="-342900">
+              <a:buAutoNum type="arabicPeriod"/>
+            </a:pPr>
+            <a:r>
+              <a:rPr lang="en-US" altLang="zh-TW" dirty="0"/>
+              <a:t>HW:</a:t>
+            </a:r>
+            <a:r>
+              <a:rPr lang="zh-TW" altLang="en-US" dirty="0"/>
+              <a:t> </a:t>
+            </a:r>
+            <a:r>
+              <a:rPr lang="en-US" altLang="zh-TW" dirty="0"/>
+              <a:t>FPGA</a:t>
+            </a:r>
+            <a:r>
+              <a:rPr lang="zh-TW" altLang="en-US" dirty="0"/>
+              <a:t> 自動讀寫模式，需搭配 </a:t>
+            </a:r>
+            <a:r>
+              <a:rPr lang="en-US" altLang="zh-TW" dirty="0" err="1"/>
+              <a:t>drdy</a:t>
+            </a:r>
+            <a:r>
+              <a:rPr lang="en-US" altLang="zh-TW" dirty="0"/>
+              <a:t> </a:t>
+            </a:r>
+            <a:r>
+              <a:rPr lang="zh-TW" altLang="en-US" dirty="0"/>
+              <a:t>或 </a:t>
+            </a:r>
+            <a:r>
+              <a:rPr lang="en-US" altLang="zh-TW" dirty="0"/>
+              <a:t>sync</a:t>
+            </a:r>
+          </a:p>
+          <a:p>
+            <a:pPr marL="342900" indent="-342900">
+              <a:buAutoNum type="arabicPeriod"/>
+            </a:pPr>
+            <a:r>
+              <a:rPr lang="en-US" altLang="zh-TW" dirty="0"/>
+              <a:t>CPU_RREG </a:t>
+            </a:r>
+            <a:r>
+              <a:rPr lang="zh-TW" altLang="en-US" dirty="0"/>
+              <a:t>再由內部 </a:t>
+            </a:r>
+            <a:r>
+              <a:rPr lang="en-US" altLang="zh-TW" dirty="0"/>
+              <a:t>reg</a:t>
+            </a:r>
+            <a:r>
+              <a:rPr lang="zh-TW" altLang="en-US" dirty="0"/>
+              <a:t> 定義之 </a:t>
+            </a:r>
+            <a:r>
+              <a:rPr lang="en-US" altLang="zh-TW" dirty="0"/>
+              <a:t>SM, CPU_SM, </a:t>
+            </a:r>
+            <a:r>
+              <a:rPr lang="zh-TW" altLang="en-US" dirty="0"/>
+              <a:t>來切換</a:t>
+            </a:r>
+            <a:r>
+              <a:rPr lang="en-US" altLang="zh-TW" dirty="0"/>
+              <a:t>SM</a:t>
+            </a:r>
+            <a:r>
+              <a:rPr lang="zh-TW" altLang="en-US" dirty="0"/>
+              <a:t>路徑，通常分為</a:t>
+            </a:r>
+            <a:r>
+              <a:rPr lang="en-US" altLang="zh-TW" dirty="0"/>
+              <a:t>:</a:t>
+            </a:r>
+          </a:p>
+          <a:p>
+            <a:pPr marL="800100" lvl="1" indent="-342900">
+              <a:buAutoNum type="arabicPeriod"/>
+            </a:pPr>
+            <a:r>
+              <a:rPr lang="en-US" altLang="zh-TW" dirty="0"/>
+              <a:t>CPU_SM_W_REG:</a:t>
+            </a:r>
+            <a:r>
+              <a:rPr lang="zh-TW" altLang="en-US" dirty="0"/>
+              <a:t> 寫欲讀取 </a:t>
+            </a:r>
+            <a:r>
+              <a:rPr lang="en-US" altLang="zh-TW" dirty="0"/>
+              <a:t>dev register </a:t>
+            </a:r>
+            <a:r>
+              <a:rPr lang="zh-TW" altLang="en-US" dirty="0"/>
+              <a:t>之 </a:t>
+            </a:r>
+            <a:r>
+              <a:rPr lang="en-US" altLang="zh-TW" dirty="0"/>
+              <a:t>address</a:t>
+            </a:r>
+          </a:p>
+          <a:p>
+            <a:pPr marL="800100" lvl="1" indent="-342900">
+              <a:buAutoNum type="arabicPeriod"/>
+            </a:pPr>
+            <a:r>
+              <a:rPr lang="en-US" altLang="zh-TW" dirty="0"/>
+              <a:t>CPU_SM_READ: </a:t>
+            </a:r>
+            <a:r>
+              <a:rPr lang="zh-TW" altLang="en-US" dirty="0"/>
+              <a:t>讀出 </a:t>
+            </a:r>
+            <a:r>
+              <a:rPr lang="en-US" altLang="zh-TW" dirty="0"/>
+              <a:t>dev register </a:t>
+            </a:r>
+            <a:r>
+              <a:rPr lang="zh-TW" altLang="en-US" dirty="0"/>
+              <a:t>數據</a:t>
+            </a:r>
+            <a:r>
+              <a:rPr lang="en-US" altLang="zh-TW" dirty="0"/>
+              <a:t> </a:t>
+            </a:r>
+          </a:p>
+          <a:p>
+            <a:pPr marL="342900" indent="-342900">
+              <a:buAutoNum type="arabicPeriod"/>
+            </a:pPr>
+            <a:r>
+              <a:rPr lang="zh-TW" altLang="en-US" dirty="0"/>
+              <a:t>內部 </a:t>
+            </a:r>
+            <a:r>
+              <a:rPr lang="en-US" altLang="zh-TW" dirty="0"/>
+              <a:t>reg </a:t>
+            </a:r>
+            <a:r>
+              <a:rPr lang="zh-TW" altLang="en-US" dirty="0"/>
+              <a:t>定義之 </a:t>
+            </a:r>
+            <a:r>
+              <a:rPr lang="en-US" altLang="zh-TW" dirty="0"/>
+              <a:t>SM</a:t>
+            </a:r>
+            <a:r>
+              <a:rPr lang="zh-TW" altLang="en-US" dirty="0"/>
+              <a:t> 原則上統一在 </a:t>
+            </a:r>
+            <a:r>
+              <a:rPr lang="en-US" altLang="zh-TW" dirty="0"/>
+              <a:t>STOP</a:t>
+            </a:r>
+            <a:r>
+              <a:rPr lang="zh-TW" altLang="en-US" dirty="0"/>
+              <a:t> 處 </a:t>
+            </a:r>
+            <a:r>
+              <a:rPr lang="en-US" altLang="zh-TW" dirty="0"/>
+              <a:t>update</a:t>
+            </a:r>
+          </a:p>
+          <a:p>
+            <a:pPr marL="342900" indent="-342900">
+              <a:buAutoNum type="arabicPeriod"/>
+            </a:pPr>
+            <a:r>
+              <a:rPr lang="en-US" altLang="zh-TW" dirty="0"/>
+              <a:t>CPU </a:t>
+            </a:r>
+            <a:r>
+              <a:rPr lang="zh-TW" altLang="en-US" dirty="0"/>
+              <a:t>讀取模式最後結束時需跳起 </a:t>
+            </a:r>
+            <a:r>
+              <a:rPr lang="en-US" altLang="zh-TW" dirty="0"/>
+              <a:t>finish flag</a:t>
+            </a:r>
+            <a:r>
+              <a:rPr lang="zh-TW" altLang="en-US" dirty="0"/>
+              <a:t>，作用在</a:t>
+            </a:r>
+            <a:r>
+              <a:rPr lang="en-US" altLang="zh-TW" dirty="0"/>
+              <a:t>STOP</a:t>
+            </a:r>
+            <a:r>
+              <a:rPr lang="zh-TW" altLang="en-US" dirty="0"/>
+              <a:t> </a:t>
+            </a:r>
+            <a:r>
+              <a:rPr lang="en-US" altLang="zh-TW" dirty="0"/>
+              <a:t>(SLOW)</a:t>
+            </a:r>
+            <a:r>
+              <a:rPr lang="zh-TW" altLang="en-US" dirty="0"/>
+              <a:t> 前的 </a:t>
+            </a:r>
+            <a:r>
+              <a:rPr lang="en-US" altLang="zh-TW" dirty="0"/>
+              <a:t>SM</a:t>
+            </a:r>
+            <a:endParaRPr lang="zh-TW" altLang="en-US" dirty="0"/>
+          </a:p>
+        </p:txBody>
+      </p:sp>
+    </p:spTree>
+    <p:extLst>
+      <p:ext uri="{BB962C8B-B14F-4D97-AF65-F5344CB8AC3E}">
+        <p14:creationId xmlns:p14="http://schemas.microsoft.com/office/powerpoint/2010/main" val="556323187"/>
+      </p:ext>
+    </p:extLst>
+  </p:cSld>
+  <p:clrMapOvr>
+    <a:masterClrMapping/>
+  </p:clrMapOvr>
+</p:sld>
+</file>
+
+<file path=ppt/slides/slide8.xml><?xml version="1.0" encoding="utf-8"?>
+<p:sld xmlns:a="http://schemas.openxmlformats.org/drawingml/2006/main" xmlns:r="http://schemas.openxmlformats.org/officeDocument/2006/relationships" xmlns:p="http://schemas.openxmlformats.org/presentationml/2006/main">
+  <p:cSld>
+    <p:spTree>
+      <p:nvGrpSpPr>
         <p:cNvPr id="1" name=""/>
         <p:cNvGrpSpPr/>
         <p:nvPr/>
@@ -6646,7 +8005,7 @@
 </p:sld>
 </file>
 
-<file path=ppt/slides/slide8.xml><?xml version="1.0" encoding="utf-8"?>
+<file path=ppt/slides/slide9.xml><?xml version="1.0" encoding="utf-8"?>
 <p:sld xmlns:a="http://schemas.openxmlformats.org/drawingml/2006/main" xmlns:r="http://schemas.openxmlformats.org/officeDocument/2006/relationships" xmlns:p="http://schemas.openxmlformats.org/presentationml/2006/main">
   <p:cSld>
     <p:spTree>
@@ -6703,42 +8062,6 @@
     <p:extLst>
       <p:ext uri="{BB962C8B-B14F-4D97-AF65-F5344CB8AC3E}">
         <p14:creationId xmlns:p14="http://schemas.microsoft.com/office/powerpoint/2010/main" val="651410928"/>
-      </p:ext>
-    </p:extLst>
-  </p:cSld>
-  <p:clrMapOvr>
-    <a:masterClrMapping/>
-  </p:clrMapOvr>
-</p:sld>
-</file>
-
-<file path=ppt/slides/slide9.xml><?xml version="1.0" encoding="utf-8"?>
-<p:sld xmlns:a="http://schemas.openxmlformats.org/drawingml/2006/main" xmlns:r="http://schemas.openxmlformats.org/officeDocument/2006/relationships" xmlns:p="http://schemas.openxmlformats.org/presentationml/2006/main">
-  <p:cSld>
-    <p:spTree>
-      <p:nvGrpSpPr>
-        <p:cNvPr id="1" name="">
-          <a:extLst>
-            <a:ext uri="{FF2B5EF4-FFF2-40B4-BE49-F238E27FC236}">
-              <a16:creationId xmlns:a16="http://schemas.microsoft.com/office/drawing/2014/main" id="{2E50C558-2A26-4DE2-8FD5-662E48156DDD}"/>
-            </a:ext>
-          </a:extLst>
-        </p:cNvPr>
-        <p:cNvGrpSpPr/>
-        <p:nvPr/>
-      </p:nvGrpSpPr>
-      <p:grpSpPr>
-        <a:xfrm>
-          <a:off x="0" y="0"/>
-          <a:ext cx="0" cy="0"/>
-          <a:chOff x="0" y="0"/>
-          <a:chExt cx="0" cy="0"/>
-        </a:xfrm>
-      </p:grpSpPr>
-    </p:spTree>
-    <p:extLst>
-      <p:ext uri="{BB962C8B-B14F-4D97-AF65-F5344CB8AC3E}">
-        <p14:creationId xmlns:p14="http://schemas.microsoft.com/office/powerpoint/2010/main" val="1228004945"/>
       </p:ext>
     </p:extLst>
   </p:cSld>

--- a/intel_IP/IRIS/HW_IP/Interface/I2C/I2C_EEPROM.pptx
+++ b/intel_IP/IRIS/HW_IP/Interface/I2C/I2C_EEPROM.pptx
@@ -15,6 +15,9 @@
     <p:sldId id="263" r:id="rId9"/>
     <p:sldId id="261" r:id="rId10"/>
     <p:sldId id="262" r:id="rId11"/>
+    <p:sldId id="267" r:id="rId12"/>
+    <p:sldId id="266" r:id="rId13"/>
+    <p:sldId id="268" r:id="rId14"/>
   </p:sldIdLst>
   <p:sldSz cx="12192000" cy="6858000"/>
   <p:notesSz cx="6858000" cy="9144000"/>
@@ -588,7 +591,7 @@
           <a:p>
             <a:fld id="{3DA1BA2C-5760-49A1-B02E-16886E01D598}" type="datetimeFigureOut">
               <a:rPr lang="zh-TW" altLang="en-US" smtClean="0"/>
-              <a:t>2025/5/18</a:t>
+              <a:t>2025/5/19</a:t>
             </a:fld>
             <a:endParaRPr lang="zh-TW" altLang="en-US"/>
           </a:p>
@@ -786,7 +789,7 @@
           <a:p>
             <a:fld id="{3DA1BA2C-5760-49A1-B02E-16886E01D598}" type="datetimeFigureOut">
               <a:rPr lang="zh-TW" altLang="en-US" smtClean="0"/>
-              <a:t>2025/5/18</a:t>
+              <a:t>2025/5/19</a:t>
             </a:fld>
             <a:endParaRPr lang="zh-TW" altLang="en-US"/>
           </a:p>
@@ -994,7 +997,7 @@
           <a:p>
             <a:fld id="{3DA1BA2C-5760-49A1-B02E-16886E01D598}" type="datetimeFigureOut">
               <a:rPr lang="zh-TW" altLang="en-US" smtClean="0"/>
-              <a:t>2025/5/18</a:t>
+              <a:t>2025/5/19</a:t>
             </a:fld>
             <a:endParaRPr lang="zh-TW" altLang="en-US"/>
           </a:p>
@@ -1192,7 +1195,7 @@
           <a:p>
             <a:fld id="{3DA1BA2C-5760-49A1-B02E-16886E01D598}" type="datetimeFigureOut">
               <a:rPr lang="zh-TW" altLang="en-US" smtClean="0"/>
-              <a:t>2025/5/18</a:t>
+              <a:t>2025/5/19</a:t>
             </a:fld>
             <a:endParaRPr lang="zh-TW" altLang="en-US"/>
           </a:p>
@@ -1467,7 +1470,7 @@
           <a:p>
             <a:fld id="{3DA1BA2C-5760-49A1-B02E-16886E01D598}" type="datetimeFigureOut">
               <a:rPr lang="zh-TW" altLang="en-US" smtClean="0"/>
-              <a:t>2025/5/18</a:t>
+              <a:t>2025/5/19</a:t>
             </a:fld>
             <a:endParaRPr lang="zh-TW" altLang="en-US"/>
           </a:p>
@@ -1732,7 +1735,7 @@
           <a:p>
             <a:fld id="{3DA1BA2C-5760-49A1-B02E-16886E01D598}" type="datetimeFigureOut">
               <a:rPr lang="zh-TW" altLang="en-US" smtClean="0"/>
-              <a:t>2025/5/18</a:t>
+              <a:t>2025/5/19</a:t>
             </a:fld>
             <a:endParaRPr lang="zh-TW" altLang="en-US"/>
           </a:p>
@@ -2144,7 +2147,7 @@
           <a:p>
             <a:fld id="{3DA1BA2C-5760-49A1-B02E-16886E01D598}" type="datetimeFigureOut">
               <a:rPr lang="zh-TW" altLang="en-US" smtClean="0"/>
-              <a:t>2025/5/18</a:t>
+              <a:t>2025/5/19</a:t>
             </a:fld>
             <a:endParaRPr lang="zh-TW" altLang="en-US"/>
           </a:p>
@@ -2285,7 +2288,7 @@
           <a:p>
             <a:fld id="{3DA1BA2C-5760-49A1-B02E-16886E01D598}" type="datetimeFigureOut">
               <a:rPr lang="zh-TW" altLang="en-US" smtClean="0"/>
-              <a:t>2025/5/18</a:t>
+              <a:t>2025/5/19</a:t>
             </a:fld>
             <a:endParaRPr lang="zh-TW" altLang="en-US"/>
           </a:p>
@@ -2398,7 +2401,7 @@
           <a:p>
             <a:fld id="{3DA1BA2C-5760-49A1-B02E-16886E01D598}" type="datetimeFigureOut">
               <a:rPr lang="zh-TW" altLang="en-US" smtClean="0"/>
-              <a:t>2025/5/18</a:t>
+              <a:t>2025/5/19</a:t>
             </a:fld>
             <a:endParaRPr lang="zh-TW" altLang="en-US"/>
           </a:p>
@@ -2709,7 +2712,7 @@
           <a:p>
             <a:fld id="{3DA1BA2C-5760-49A1-B02E-16886E01D598}" type="datetimeFigureOut">
               <a:rPr lang="zh-TW" altLang="en-US" smtClean="0"/>
-              <a:t>2025/5/18</a:t>
+              <a:t>2025/5/19</a:t>
             </a:fld>
             <a:endParaRPr lang="zh-TW" altLang="en-US"/>
           </a:p>
@@ -2997,7 +3000,7 @@
           <a:p>
             <a:fld id="{3DA1BA2C-5760-49A1-B02E-16886E01D598}" type="datetimeFigureOut">
               <a:rPr lang="zh-TW" altLang="en-US" smtClean="0"/>
-              <a:t>2025/5/18</a:t>
+              <a:t>2025/5/19</a:t>
             </a:fld>
             <a:endParaRPr lang="zh-TW" altLang="en-US"/>
           </a:p>
@@ -3238,7 +3241,7 @@
           <a:p>
             <a:fld id="{3DA1BA2C-5760-49A1-B02E-16886E01D598}" type="datetimeFigureOut">
               <a:rPr lang="zh-TW" altLang="en-US" smtClean="0"/>
-              <a:t>2025/5/18</a:t>
+              <a:t>2025/5/19</a:t>
             </a:fld>
             <a:endParaRPr lang="zh-TW" altLang="en-US"/>
           </a:p>
@@ -3900,10 +3903,366 @@
           <a:chExt cx="0" cy="0"/>
         </a:xfrm>
       </p:grpSpPr>
+      <p:sp>
+        <p:nvSpPr>
+          <p:cNvPr id="4" name="文字方塊 3">
+            <a:extLst>
+              <a:ext uri="{FF2B5EF4-FFF2-40B4-BE49-F238E27FC236}">
+                <a16:creationId xmlns:a16="http://schemas.microsoft.com/office/drawing/2014/main" id="{41C03D78-1128-FEB8-9D14-FF9EC6CFC752}"/>
+              </a:ext>
+            </a:extLst>
+          </p:cNvPr>
+          <p:cNvSpPr txBox="1"/>
+          <p:nvPr/>
+        </p:nvSpPr>
+        <p:spPr>
+          <a:xfrm>
+            <a:off x="258619" y="221673"/>
+            <a:ext cx="1173719" cy="369332"/>
+          </a:xfrm>
+          <a:prstGeom prst="rect">
+            <a:avLst/>
+          </a:prstGeom>
+          <a:noFill/>
+        </p:spPr>
+        <p:txBody>
+          <a:bodyPr wrap="none" rtlCol="0">
+            <a:spAutoFit/>
+          </a:bodyPr>
+          <a:lstStyle/>
+          <a:p>
+            <a:r>
+              <a:rPr lang="zh-TW" altLang="en-US" dirty="0"/>
+              <a:t>寫值測試</a:t>
+            </a:r>
+            <a:r>
+              <a:rPr lang="en-US" altLang="zh-TW" dirty="0"/>
+              <a:t>:</a:t>
+            </a:r>
+            <a:endParaRPr lang="zh-TW" altLang="en-US" dirty="0"/>
+          </a:p>
+        </p:txBody>
+      </p:sp>
+      <p:pic>
+        <p:nvPicPr>
+          <p:cNvPr id="14" name="圖片 13">
+            <a:extLst>
+              <a:ext uri="{FF2B5EF4-FFF2-40B4-BE49-F238E27FC236}">
+                <a16:creationId xmlns:a16="http://schemas.microsoft.com/office/drawing/2014/main" id="{86AC063D-AD18-E931-D0C5-90778B5B87DC}"/>
+              </a:ext>
+            </a:extLst>
+          </p:cNvPr>
+          <p:cNvPicPr>
+            <a:picLocks noChangeAspect="1"/>
+          </p:cNvPicPr>
+          <p:nvPr/>
+        </p:nvPicPr>
+        <p:blipFill>
+          <a:blip r:embed="rId2"/>
+          <a:stretch>
+            <a:fillRect/>
+          </a:stretch>
+        </p:blipFill>
+        <p:spPr>
+          <a:xfrm>
+            <a:off x="0" y="1784857"/>
+            <a:ext cx="12192000" cy="2142975"/>
+          </a:xfrm>
+          <a:prstGeom prst="rect">
+            <a:avLst/>
+          </a:prstGeom>
+        </p:spPr>
+      </p:pic>
     </p:spTree>
     <p:extLst>
       <p:ext uri="{BB962C8B-B14F-4D97-AF65-F5344CB8AC3E}">
         <p14:creationId xmlns:p14="http://schemas.microsoft.com/office/powerpoint/2010/main" val="1228004945"/>
+      </p:ext>
+    </p:extLst>
+  </p:cSld>
+  <p:clrMapOvr>
+    <a:masterClrMapping/>
+  </p:clrMapOvr>
+</p:sld>
+</file>
+
+<file path=ppt/slides/slide11.xml><?xml version="1.0" encoding="utf-8"?>
+<p:sld xmlns:a="http://schemas.openxmlformats.org/drawingml/2006/main" xmlns:r="http://schemas.openxmlformats.org/officeDocument/2006/relationships" xmlns:p="http://schemas.openxmlformats.org/presentationml/2006/main">
+  <p:cSld>
+    <p:spTree>
+      <p:nvGrpSpPr>
+        <p:cNvPr id="1" name=""/>
+        <p:cNvGrpSpPr/>
+        <p:nvPr/>
+      </p:nvGrpSpPr>
+      <p:grpSpPr>
+        <a:xfrm>
+          <a:off x="0" y="0"/>
+          <a:ext cx="0" cy="0"/>
+          <a:chOff x="0" y="0"/>
+          <a:chExt cx="0" cy="0"/>
+        </a:xfrm>
+      </p:grpSpPr>
+      <p:pic>
+        <p:nvPicPr>
+          <p:cNvPr id="10" name="圖片 9">
+            <a:extLst>
+              <a:ext uri="{FF2B5EF4-FFF2-40B4-BE49-F238E27FC236}">
+                <a16:creationId xmlns:a16="http://schemas.microsoft.com/office/drawing/2014/main" id="{7028D9B0-9C22-163F-E2F5-EDC75FE292EF}"/>
+              </a:ext>
+            </a:extLst>
+          </p:cNvPr>
+          <p:cNvPicPr>
+            <a:picLocks noChangeAspect="1"/>
+          </p:cNvPicPr>
+          <p:nvPr/>
+        </p:nvPicPr>
+        <p:blipFill>
+          <a:blip r:embed="rId2"/>
+          <a:stretch>
+            <a:fillRect/>
+          </a:stretch>
+        </p:blipFill>
+        <p:spPr>
+          <a:xfrm>
+            <a:off x="0" y="1131159"/>
+            <a:ext cx="12192000" cy="2034405"/>
+          </a:xfrm>
+          <a:prstGeom prst="rect">
+            <a:avLst/>
+          </a:prstGeom>
+        </p:spPr>
+      </p:pic>
+      <p:pic>
+        <p:nvPicPr>
+          <p:cNvPr id="12" name="圖片 11">
+            <a:extLst>
+              <a:ext uri="{FF2B5EF4-FFF2-40B4-BE49-F238E27FC236}">
+                <a16:creationId xmlns:a16="http://schemas.microsoft.com/office/drawing/2014/main" id="{79606DD5-44E6-991B-EDBC-36A7755306EE}"/>
+              </a:ext>
+            </a:extLst>
+          </p:cNvPr>
+          <p:cNvPicPr>
+            <a:picLocks noChangeAspect="1"/>
+          </p:cNvPicPr>
+          <p:nvPr/>
+        </p:nvPicPr>
+        <p:blipFill>
+          <a:blip r:embed="rId3"/>
+          <a:stretch>
+            <a:fillRect/>
+          </a:stretch>
+        </p:blipFill>
+        <p:spPr>
+          <a:xfrm>
+            <a:off x="0" y="3429000"/>
+            <a:ext cx="10431331" cy="2695951"/>
+          </a:xfrm>
+          <a:prstGeom prst="rect">
+            <a:avLst/>
+          </a:prstGeom>
+        </p:spPr>
+      </p:pic>
+    </p:spTree>
+    <p:extLst>
+      <p:ext uri="{BB962C8B-B14F-4D97-AF65-F5344CB8AC3E}">
+        <p14:creationId xmlns:p14="http://schemas.microsoft.com/office/powerpoint/2010/main" val="3543090329"/>
+      </p:ext>
+    </p:extLst>
+  </p:cSld>
+  <p:clrMapOvr>
+    <a:masterClrMapping/>
+  </p:clrMapOvr>
+</p:sld>
+</file>
+
+<file path=ppt/slides/slide12.xml><?xml version="1.0" encoding="utf-8"?>
+<p:sld xmlns:a="http://schemas.openxmlformats.org/drawingml/2006/main" xmlns:r="http://schemas.openxmlformats.org/officeDocument/2006/relationships" xmlns:p="http://schemas.openxmlformats.org/presentationml/2006/main">
+  <p:cSld>
+    <p:spTree>
+      <p:nvGrpSpPr>
+        <p:cNvPr id="1" name="">
+          <a:extLst>
+            <a:ext uri="{FF2B5EF4-FFF2-40B4-BE49-F238E27FC236}">
+              <a16:creationId xmlns:a16="http://schemas.microsoft.com/office/drawing/2014/main" id="{57AC99F6-F3E8-9DD5-56A7-C7C20104285E}"/>
+            </a:ext>
+          </a:extLst>
+        </p:cNvPr>
+        <p:cNvGrpSpPr/>
+        <p:nvPr/>
+      </p:nvGrpSpPr>
+      <p:grpSpPr>
+        <a:xfrm>
+          <a:off x="0" y="0"/>
+          <a:ext cx="0" cy="0"/>
+          <a:chOff x="0" y="0"/>
+          <a:chExt cx="0" cy="0"/>
+        </a:xfrm>
+      </p:grpSpPr>
+      <p:sp>
+        <p:nvSpPr>
+          <p:cNvPr id="4" name="文字方塊 3">
+            <a:extLst>
+              <a:ext uri="{FF2B5EF4-FFF2-40B4-BE49-F238E27FC236}">
+                <a16:creationId xmlns:a16="http://schemas.microsoft.com/office/drawing/2014/main" id="{132F1DC7-233C-BC4F-E986-7FA5ECDBD6D5}"/>
+              </a:ext>
+            </a:extLst>
+          </p:cNvPr>
+          <p:cNvSpPr txBox="1"/>
+          <p:nvPr/>
+        </p:nvSpPr>
+        <p:spPr>
+          <a:xfrm>
+            <a:off x="258619" y="221673"/>
+            <a:ext cx="1173719" cy="369332"/>
+          </a:xfrm>
+          <a:prstGeom prst="rect">
+            <a:avLst/>
+          </a:prstGeom>
+          <a:noFill/>
+        </p:spPr>
+        <p:txBody>
+          <a:bodyPr wrap="none" rtlCol="0">
+            <a:spAutoFit/>
+          </a:bodyPr>
+          <a:lstStyle/>
+          <a:p>
+            <a:r>
+              <a:rPr lang="zh-TW" altLang="en-US" dirty="0"/>
+              <a:t>讀值測試</a:t>
+            </a:r>
+            <a:r>
+              <a:rPr lang="en-US" altLang="zh-TW" dirty="0"/>
+              <a:t>:</a:t>
+            </a:r>
+            <a:endParaRPr lang="zh-TW" altLang="en-US" dirty="0"/>
+          </a:p>
+        </p:txBody>
+      </p:sp>
+      <p:pic>
+        <p:nvPicPr>
+          <p:cNvPr id="5" name="圖片 4">
+            <a:extLst>
+              <a:ext uri="{FF2B5EF4-FFF2-40B4-BE49-F238E27FC236}">
+                <a16:creationId xmlns:a16="http://schemas.microsoft.com/office/drawing/2014/main" id="{003B3A7C-4535-8465-14C2-6E29192110D2}"/>
+              </a:ext>
+            </a:extLst>
+          </p:cNvPr>
+          <p:cNvPicPr>
+            <a:picLocks noChangeAspect="1"/>
+          </p:cNvPicPr>
+          <p:nvPr/>
+        </p:nvPicPr>
+        <p:blipFill>
+          <a:blip r:embed="rId2"/>
+          <a:stretch>
+            <a:fillRect/>
+          </a:stretch>
+        </p:blipFill>
+        <p:spPr>
+          <a:xfrm>
+            <a:off x="0" y="1099005"/>
+            <a:ext cx="12192000" cy="1920377"/>
+          </a:xfrm>
+          <a:prstGeom prst="rect">
+            <a:avLst/>
+          </a:prstGeom>
+        </p:spPr>
+      </p:pic>
+    </p:spTree>
+    <p:extLst>
+      <p:ext uri="{BB962C8B-B14F-4D97-AF65-F5344CB8AC3E}">
+        <p14:creationId xmlns:p14="http://schemas.microsoft.com/office/powerpoint/2010/main" val="917783505"/>
+      </p:ext>
+    </p:extLst>
+  </p:cSld>
+  <p:clrMapOvr>
+    <a:masterClrMapping/>
+  </p:clrMapOvr>
+</p:sld>
+</file>
+
+<file path=ppt/slides/slide13.xml><?xml version="1.0" encoding="utf-8"?>
+<p:sld xmlns:a="http://schemas.openxmlformats.org/drawingml/2006/main" xmlns:r="http://schemas.openxmlformats.org/officeDocument/2006/relationships" xmlns:p="http://schemas.openxmlformats.org/presentationml/2006/main">
+  <p:cSld>
+    <p:spTree>
+      <p:nvGrpSpPr>
+        <p:cNvPr id="1" name=""/>
+        <p:cNvGrpSpPr/>
+        <p:nvPr/>
+      </p:nvGrpSpPr>
+      <p:grpSpPr>
+        <a:xfrm>
+          <a:off x="0" y="0"/>
+          <a:ext cx="0" cy="0"/>
+          <a:chOff x="0" y="0"/>
+          <a:chExt cx="0" cy="0"/>
+        </a:xfrm>
+      </p:grpSpPr>
+      <p:pic>
+        <p:nvPicPr>
+          <p:cNvPr id="8" name="圖片 7">
+            <a:extLst>
+              <a:ext uri="{FF2B5EF4-FFF2-40B4-BE49-F238E27FC236}">
+                <a16:creationId xmlns:a16="http://schemas.microsoft.com/office/drawing/2014/main" id="{6938926A-6B66-3670-E65C-8E8E96A4FBFC}"/>
+              </a:ext>
+            </a:extLst>
+          </p:cNvPr>
+          <p:cNvPicPr>
+            <a:picLocks noChangeAspect="1"/>
+          </p:cNvPicPr>
+          <p:nvPr/>
+        </p:nvPicPr>
+        <p:blipFill>
+          <a:blip r:embed="rId2"/>
+          <a:stretch>
+            <a:fillRect/>
+          </a:stretch>
+        </p:blipFill>
+        <p:spPr>
+          <a:xfrm>
+            <a:off x="0" y="1079746"/>
+            <a:ext cx="12192000" cy="2097708"/>
+          </a:xfrm>
+          <a:prstGeom prst="rect">
+            <a:avLst/>
+          </a:prstGeom>
+        </p:spPr>
+      </p:pic>
+      <p:pic>
+        <p:nvPicPr>
+          <p:cNvPr id="10" name="圖片 9">
+            <a:extLst>
+              <a:ext uri="{FF2B5EF4-FFF2-40B4-BE49-F238E27FC236}">
+                <a16:creationId xmlns:a16="http://schemas.microsoft.com/office/drawing/2014/main" id="{0756F372-DEF5-16AB-82A8-D1E2867BBBE4}"/>
+              </a:ext>
+            </a:extLst>
+          </p:cNvPr>
+          <p:cNvPicPr>
+            <a:picLocks noChangeAspect="1"/>
+          </p:cNvPicPr>
+          <p:nvPr/>
+        </p:nvPicPr>
+        <p:blipFill>
+          <a:blip r:embed="rId3"/>
+          <a:stretch>
+            <a:fillRect/>
+          </a:stretch>
+        </p:blipFill>
+        <p:spPr>
+          <a:xfrm>
+            <a:off x="0" y="3800811"/>
+            <a:ext cx="12192000" cy="2207444"/>
+          </a:xfrm>
+          <a:prstGeom prst="rect">
+            <a:avLst/>
+          </a:prstGeom>
+        </p:spPr>
+      </p:pic>
+    </p:spTree>
+    <p:extLst>
+      <p:ext uri="{BB962C8B-B14F-4D97-AF65-F5344CB8AC3E}">
+        <p14:creationId xmlns:p14="http://schemas.microsoft.com/office/powerpoint/2010/main" val="4089838821"/>
       </p:ext>
     </p:extLst>
   </p:cSld>
@@ -4947,6 +5306,116 @@
           </mc:Fallback>
         </mc:AlternateContent>
       </p:grpSp>
+      <p:sp>
+        <p:nvSpPr>
+          <p:cNvPr id="2" name="文字方塊 1">
+            <a:extLst>
+              <a:ext uri="{FF2B5EF4-FFF2-40B4-BE49-F238E27FC236}">
+                <a16:creationId xmlns:a16="http://schemas.microsoft.com/office/drawing/2014/main" id="{B631EBAD-AE5D-68BD-8F46-2694FEB18604}"/>
+              </a:ext>
+            </a:extLst>
+          </p:cNvPr>
+          <p:cNvSpPr txBox="1"/>
+          <p:nvPr/>
+        </p:nvSpPr>
+        <p:spPr>
+          <a:xfrm>
+            <a:off x="140166" y="4520526"/>
+            <a:ext cx="917239" cy="523220"/>
+          </a:xfrm>
+          <a:prstGeom prst="rect">
+            <a:avLst/>
+          </a:prstGeom>
+          <a:noFill/>
+          <a:ln>
+            <a:solidFill>
+              <a:srgbClr val="FF0000"/>
+            </a:solidFill>
+            <a:prstDash val="dash"/>
+          </a:ln>
+        </p:spPr>
+        <p:txBody>
+          <a:bodyPr wrap="none" rtlCol="0">
+            <a:spAutoFit/>
+          </a:bodyPr>
+          <a:lstStyle/>
+          <a:p>
+            <a:r>
+              <a:rPr lang="en-US" altLang="zh-TW" sz="1400" dirty="0">
+                <a:solidFill>
+                  <a:srgbClr val="FF0000"/>
+                </a:solidFill>
+              </a:rPr>
+              <a:t>op_mode</a:t>
+            </a:r>
+          </a:p>
+          <a:p>
+            <a:r>
+              <a:rPr lang="zh-TW" altLang="en-US" sz="1400" dirty="0">
+                <a:solidFill>
+                  <a:srgbClr val="FF0000"/>
+                </a:solidFill>
+              </a:rPr>
+              <a:t> 判斷</a:t>
+            </a:r>
+          </a:p>
+        </p:txBody>
+      </p:sp>
+      <p:sp>
+        <p:nvSpPr>
+          <p:cNvPr id="4" name="文字方塊 3">
+            <a:extLst>
+              <a:ext uri="{FF2B5EF4-FFF2-40B4-BE49-F238E27FC236}">
+                <a16:creationId xmlns:a16="http://schemas.microsoft.com/office/drawing/2014/main" id="{45DB5C48-A3CF-C02D-B7EE-61EB594F4F39}"/>
+              </a:ext>
+            </a:extLst>
+          </p:cNvPr>
+          <p:cNvSpPr txBox="1"/>
+          <p:nvPr/>
+        </p:nvSpPr>
+        <p:spPr>
+          <a:xfrm>
+            <a:off x="4421220" y="3832417"/>
+            <a:ext cx="917239" cy="523220"/>
+          </a:xfrm>
+          <a:prstGeom prst="rect">
+            <a:avLst/>
+          </a:prstGeom>
+          <a:noFill/>
+          <a:ln>
+            <a:solidFill>
+              <a:srgbClr val="FF0000"/>
+            </a:solidFill>
+            <a:prstDash val="dash"/>
+          </a:ln>
+        </p:spPr>
+        <p:txBody>
+          <a:bodyPr wrap="none" rtlCol="0">
+            <a:spAutoFit/>
+          </a:bodyPr>
+          <a:lstStyle/>
+          <a:p>
+            <a:r>
+              <a:rPr lang="en-US" altLang="zh-TW" sz="1400" dirty="0">
+                <a:solidFill>
+                  <a:srgbClr val="FF0000"/>
+                </a:solidFill>
+              </a:rPr>
+              <a:t>op_mode</a:t>
+            </a:r>
+          </a:p>
+          <a:p>
+            <a:r>
+              <a:rPr lang="zh-TW" altLang="en-US" sz="1400" dirty="0">
+                <a:solidFill>
+                  <a:srgbClr val="FF0000"/>
+                </a:solidFill>
+              </a:rPr>
+              <a:t> 判斷</a:t>
+            </a:r>
+          </a:p>
+        </p:txBody>
+      </p:sp>
     </p:spTree>
     <p:extLst>
       <p:ext uri="{BB962C8B-B14F-4D97-AF65-F5344CB8AC3E}">

--- a/intel_IP/IRIS/HW_IP/Interface/I2C/I2C_EEPROM.pptx
+++ b/intel_IP/IRIS/HW_IP/Interface/I2C/I2C_EEPROM.pptx
@@ -3903,46 +3903,6 @@
           <a:chExt cx="0" cy="0"/>
         </a:xfrm>
       </p:grpSpPr>
-      <p:sp>
-        <p:nvSpPr>
-          <p:cNvPr id="4" name="文字方塊 3">
-            <a:extLst>
-              <a:ext uri="{FF2B5EF4-FFF2-40B4-BE49-F238E27FC236}">
-                <a16:creationId xmlns:a16="http://schemas.microsoft.com/office/drawing/2014/main" id="{41C03D78-1128-FEB8-9D14-FF9EC6CFC752}"/>
-              </a:ext>
-            </a:extLst>
-          </p:cNvPr>
-          <p:cNvSpPr txBox="1"/>
-          <p:nvPr/>
-        </p:nvSpPr>
-        <p:spPr>
-          <a:xfrm>
-            <a:off x="258619" y="221673"/>
-            <a:ext cx="1173719" cy="369332"/>
-          </a:xfrm>
-          <a:prstGeom prst="rect">
-            <a:avLst/>
-          </a:prstGeom>
-          <a:noFill/>
-        </p:spPr>
-        <p:txBody>
-          <a:bodyPr wrap="none" rtlCol="0">
-            <a:spAutoFit/>
-          </a:bodyPr>
-          <a:lstStyle/>
-          <a:p>
-            <a:r>
-              <a:rPr lang="zh-TW" altLang="en-US" dirty="0"/>
-              <a:t>寫值測試</a:t>
-            </a:r>
-            <a:r>
-              <a:rPr lang="en-US" altLang="zh-TW" dirty="0"/>
-              <a:t>:</a:t>
-            </a:r>
-            <a:endParaRPr lang="zh-TW" altLang="en-US" dirty="0"/>
-          </a:p>
-        </p:txBody>
-      </p:sp>
       <p:pic>
         <p:nvPicPr>
           <p:cNvPr id="14" name="圖片 13">
@@ -3965,7 +3925,7 @@
         </p:blipFill>
         <p:spPr>
           <a:xfrm>
-            <a:off x="0" y="1784857"/>
+            <a:off x="-76200" y="1146682"/>
             <a:ext cx="12192000" cy="2142975"/>
           </a:xfrm>
           <a:prstGeom prst="rect">
@@ -3973,6 +3933,383 @@
           </a:prstGeom>
         </p:spPr>
       </p:pic>
+      <p:sp>
+        <p:nvSpPr>
+          <p:cNvPr id="2" name="文字方塊 1">
+            <a:extLst>
+              <a:ext uri="{FF2B5EF4-FFF2-40B4-BE49-F238E27FC236}">
+                <a16:creationId xmlns:a16="http://schemas.microsoft.com/office/drawing/2014/main" id="{750CC8EE-8C03-4D9C-0372-C6E5C4EA9225}"/>
+              </a:ext>
+            </a:extLst>
+          </p:cNvPr>
+          <p:cNvSpPr txBox="1"/>
+          <p:nvPr/>
+        </p:nvSpPr>
+        <p:spPr>
+          <a:xfrm>
+            <a:off x="132936" y="151512"/>
+            <a:ext cx="1162626" cy="369332"/>
+          </a:xfrm>
+          <a:prstGeom prst="rect">
+            <a:avLst/>
+          </a:prstGeom>
+          <a:noFill/>
+        </p:spPr>
+        <p:txBody>
+          <a:bodyPr wrap="none" rtlCol="0">
+            <a:spAutoFit/>
+          </a:bodyPr>
+          <a:lstStyle/>
+          <a:p>
+            <a:r>
+              <a:rPr lang="en-US" altLang="zh-TW" u="sng" dirty="0"/>
+              <a:t>Write Test</a:t>
+            </a:r>
+            <a:endParaRPr lang="zh-TW" altLang="en-US" u="sng" dirty="0"/>
+          </a:p>
+        </p:txBody>
+      </p:sp>
+      <p:sp>
+        <p:nvSpPr>
+          <p:cNvPr id="3" name="文字方塊 2">
+            <a:extLst>
+              <a:ext uri="{FF2B5EF4-FFF2-40B4-BE49-F238E27FC236}">
+                <a16:creationId xmlns:a16="http://schemas.microsoft.com/office/drawing/2014/main" id="{DEF5250F-DE09-085E-F42D-9C2E8E31AB3B}"/>
+              </a:ext>
+            </a:extLst>
+          </p:cNvPr>
+          <p:cNvSpPr txBox="1"/>
+          <p:nvPr/>
+        </p:nvSpPr>
+        <p:spPr>
+          <a:xfrm>
+            <a:off x="304800" y="3915495"/>
+            <a:ext cx="4511748" cy="830997"/>
+          </a:xfrm>
+          <a:prstGeom prst="rect">
+            <a:avLst/>
+          </a:prstGeom>
+          <a:noFill/>
+        </p:spPr>
+        <p:txBody>
+          <a:bodyPr wrap="none" rtlCol="0">
+            <a:spAutoFit/>
+          </a:bodyPr>
+          <a:lstStyle/>
+          <a:p>
+            <a:pPr marL="342900" indent="-342900">
+              <a:buAutoNum type="arabicPeriod"/>
+            </a:pPr>
+            <a:r>
+              <a:rPr lang="en-US" altLang="zh-TW" sz="1600" dirty="0">
+                <a:latin typeface="微軟正黑體" panose="020B0604030504040204" pitchFamily="34" charset="-120"/>
+                <a:ea typeface="微軟正黑體" panose="020B0604030504040204" pitchFamily="34" charset="-120"/>
+              </a:rPr>
+              <a:t>SM</a:t>
+            </a:r>
+            <a:r>
+              <a:rPr lang="zh-TW" altLang="en-US" sz="1600" dirty="0">
+                <a:latin typeface="微軟正黑體" panose="020B0604030504040204" pitchFamily="34" charset="-120"/>
+                <a:ea typeface="微軟正黑體" panose="020B0604030504040204" pitchFamily="34" charset="-120"/>
+              </a:rPr>
+              <a:t>變化如寫狀態之變遷圖</a:t>
+            </a:r>
+            <a:endParaRPr lang="en-US" altLang="zh-TW" sz="1600" dirty="0">
+              <a:latin typeface="微軟正黑體" panose="020B0604030504040204" pitchFamily="34" charset="-120"/>
+              <a:ea typeface="微軟正黑體" panose="020B0604030504040204" pitchFamily="34" charset="-120"/>
+            </a:endParaRPr>
+          </a:p>
+          <a:p>
+            <a:pPr marL="342900" indent="-342900">
+              <a:buAutoNum type="arabicPeriod"/>
+            </a:pPr>
+            <a:r>
+              <a:rPr lang="en-US" altLang="zh-TW" sz="1600" dirty="0">
+                <a:latin typeface="微軟正黑體" panose="020B0604030504040204" pitchFamily="34" charset="-120"/>
+                <a:ea typeface="微軟正黑體" panose="020B0604030504040204" pitchFamily="34" charset="-120"/>
+              </a:rPr>
+              <a:t>START</a:t>
+            </a:r>
+            <a:r>
+              <a:rPr lang="zh-TW" altLang="en-US" sz="1600" dirty="0">
+                <a:latin typeface="微軟正黑體" panose="020B0604030504040204" pitchFamily="34" charset="-120"/>
+                <a:ea typeface="微軟正黑體" panose="020B0604030504040204" pitchFamily="34" charset="-120"/>
+              </a:rPr>
+              <a:t>與</a:t>
+            </a:r>
+            <a:r>
+              <a:rPr lang="en-US" altLang="zh-TW" sz="1600" dirty="0">
+                <a:latin typeface="微軟正黑體" panose="020B0604030504040204" pitchFamily="34" charset="-120"/>
+                <a:ea typeface="微軟正黑體" panose="020B0604030504040204" pitchFamily="34" charset="-120"/>
+              </a:rPr>
+              <a:t>STOP</a:t>
+            </a:r>
+            <a:r>
+              <a:rPr lang="zh-TW" altLang="en-US" sz="1600" dirty="0">
+                <a:latin typeface="微軟正黑體" panose="020B0604030504040204" pitchFamily="34" charset="-120"/>
+                <a:ea typeface="微軟正黑體" panose="020B0604030504040204" pitchFamily="34" charset="-120"/>
+              </a:rPr>
+              <a:t>有成功顯示</a:t>
+            </a:r>
+            <a:endParaRPr lang="en-US" altLang="zh-TW" sz="1600" dirty="0">
+              <a:latin typeface="微軟正黑體" panose="020B0604030504040204" pitchFamily="34" charset="-120"/>
+              <a:ea typeface="微軟正黑體" panose="020B0604030504040204" pitchFamily="34" charset="-120"/>
+            </a:endParaRPr>
+          </a:p>
+          <a:p>
+            <a:pPr marL="342900" indent="-342900">
+              <a:buAutoNum type="arabicPeriod"/>
+            </a:pPr>
+            <a:r>
+              <a:rPr lang="en-US" altLang="zh-TW" sz="1600" dirty="0">
+                <a:latin typeface="微軟正黑體" panose="020B0604030504040204" pitchFamily="34" charset="-120"/>
+                <a:ea typeface="微軟正黑體" panose="020B0604030504040204" pitchFamily="34" charset="-120"/>
+              </a:rPr>
+              <a:t>Finish</a:t>
+            </a:r>
+            <a:r>
+              <a:rPr lang="zh-TW" altLang="en-US" sz="1600" dirty="0">
+                <a:latin typeface="微軟正黑體" panose="020B0604030504040204" pitchFamily="34" charset="-120"/>
+                <a:ea typeface="微軟正黑體" panose="020B0604030504040204" pitchFamily="34" charset="-120"/>
+              </a:rPr>
+              <a:t>在</a:t>
+            </a:r>
+            <a:r>
+              <a:rPr lang="en-US" altLang="zh-TW" sz="1600" dirty="0">
+                <a:latin typeface="微軟正黑體" panose="020B0604030504040204" pitchFamily="34" charset="-120"/>
+                <a:ea typeface="微軟正黑體" panose="020B0604030504040204" pitchFamily="34" charset="-120"/>
+              </a:rPr>
+              <a:t>State 15(READ_ACK7)</a:t>
+            </a:r>
+            <a:r>
+              <a:rPr lang="zh-TW" altLang="en-US" sz="1600" dirty="0">
+                <a:latin typeface="微軟正黑體" panose="020B0604030504040204" pitchFamily="34" charset="-120"/>
+                <a:ea typeface="微軟正黑體" panose="020B0604030504040204" pitchFamily="34" charset="-120"/>
+              </a:rPr>
+              <a:t>跳起</a:t>
+            </a:r>
+            <a:r>
+              <a:rPr lang="en-US" altLang="zh-TW" sz="1600" dirty="0">
+                <a:latin typeface="微軟正黑體" panose="020B0604030504040204" pitchFamily="34" charset="-120"/>
+                <a:ea typeface="微軟正黑體" panose="020B0604030504040204" pitchFamily="34" charset="-120"/>
+              </a:rPr>
+              <a:t>(</a:t>
+            </a:r>
+            <a:r>
+              <a:rPr lang="zh-TW" altLang="en-US" sz="1600" dirty="0">
+                <a:latin typeface="微軟正黑體" panose="020B0604030504040204" pitchFamily="34" charset="-120"/>
+                <a:ea typeface="微軟正黑體" panose="020B0604030504040204" pitchFamily="34" charset="-120"/>
+              </a:rPr>
+              <a:t>見下頁</a:t>
+            </a:r>
+            <a:r>
+              <a:rPr lang="en-US" altLang="zh-TW" sz="1600" dirty="0">
+                <a:latin typeface="微軟正黑體" panose="020B0604030504040204" pitchFamily="34" charset="-120"/>
+                <a:ea typeface="微軟正黑體" panose="020B0604030504040204" pitchFamily="34" charset="-120"/>
+              </a:rPr>
+              <a:t>)</a:t>
+            </a:r>
+            <a:endParaRPr lang="zh-TW" altLang="en-US" sz="1600" dirty="0">
+              <a:latin typeface="微軟正黑體" panose="020B0604030504040204" pitchFamily="34" charset="-120"/>
+              <a:ea typeface="微軟正黑體" panose="020B0604030504040204" pitchFamily="34" charset="-120"/>
+            </a:endParaRPr>
+          </a:p>
+        </p:txBody>
+      </p:sp>
+      <p:sp>
+        <p:nvSpPr>
+          <p:cNvPr id="5" name="橢圓 4">
+            <a:extLst>
+              <a:ext uri="{FF2B5EF4-FFF2-40B4-BE49-F238E27FC236}">
+                <a16:creationId xmlns:a16="http://schemas.microsoft.com/office/drawing/2014/main" id="{1F9F4B05-0939-C68D-C17C-3C0D895D8AEC}"/>
+              </a:ext>
+            </a:extLst>
+          </p:cNvPr>
+          <p:cNvSpPr/>
+          <p:nvPr/>
+        </p:nvSpPr>
+        <p:spPr>
+          <a:xfrm>
+            <a:off x="5925600" y="1807200"/>
+            <a:ext cx="324000" cy="504000"/>
+          </a:xfrm>
+          <a:prstGeom prst="ellipse">
+            <a:avLst/>
+          </a:prstGeom>
+          <a:noFill/>
+          <a:ln>
+            <a:solidFill>
+              <a:srgbClr val="00B050"/>
+            </a:solidFill>
+            <a:prstDash val="sysDash"/>
+          </a:ln>
+        </p:spPr>
+        <p:style>
+          <a:lnRef idx="2">
+            <a:schemeClr val="accent1">
+              <a:shade val="15000"/>
+            </a:schemeClr>
+          </a:lnRef>
+          <a:fillRef idx="1">
+            <a:schemeClr val="accent1"/>
+          </a:fillRef>
+          <a:effectRef idx="0">
+            <a:schemeClr val="accent1"/>
+          </a:effectRef>
+          <a:fontRef idx="minor">
+            <a:schemeClr val="lt1"/>
+          </a:fontRef>
+        </p:style>
+        <p:txBody>
+          <a:bodyPr rtlCol="0" anchor="ctr"/>
+          <a:lstStyle/>
+          <a:p>
+            <a:pPr algn="ctr"/>
+            <a:endParaRPr lang="zh-TW" altLang="en-US"/>
+          </a:p>
+        </p:txBody>
+      </p:sp>
+      <p:sp>
+        <p:nvSpPr>
+          <p:cNvPr id="6" name="橢圓 5">
+            <a:extLst>
+              <a:ext uri="{FF2B5EF4-FFF2-40B4-BE49-F238E27FC236}">
+                <a16:creationId xmlns:a16="http://schemas.microsoft.com/office/drawing/2014/main" id="{27FD89DC-0BC3-E769-1F6F-8B628639FB84}"/>
+              </a:ext>
+            </a:extLst>
+          </p:cNvPr>
+          <p:cNvSpPr/>
+          <p:nvPr/>
+        </p:nvSpPr>
+        <p:spPr>
+          <a:xfrm>
+            <a:off x="10850400" y="1807200"/>
+            <a:ext cx="324000" cy="504000"/>
+          </a:xfrm>
+          <a:prstGeom prst="ellipse">
+            <a:avLst/>
+          </a:prstGeom>
+          <a:noFill/>
+          <a:ln>
+            <a:solidFill>
+              <a:srgbClr val="0070C0"/>
+            </a:solidFill>
+            <a:prstDash val="sysDash"/>
+          </a:ln>
+        </p:spPr>
+        <p:style>
+          <a:lnRef idx="2">
+            <a:schemeClr val="accent1">
+              <a:shade val="15000"/>
+            </a:schemeClr>
+          </a:lnRef>
+          <a:fillRef idx="1">
+            <a:schemeClr val="accent1"/>
+          </a:fillRef>
+          <a:effectRef idx="0">
+            <a:schemeClr val="accent1"/>
+          </a:effectRef>
+          <a:fontRef idx="minor">
+            <a:schemeClr val="lt1"/>
+          </a:fontRef>
+        </p:style>
+        <p:txBody>
+          <a:bodyPr rtlCol="0" anchor="ctr"/>
+          <a:lstStyle/>
+          <a:p>
+            <a:pPr algn="ctr"/>
+            <a:endParaRPr lang="zh-TW" altLang="en-US"/>
+          </a:p>
+        </p:txBody>
+      </p:sp>
+      <p:sp>
+        <p:nvSpPr>
+          <p:cNvPr id="7" name="文字方塊 6">
+            <a:extLst>
+              <a:ext uri="{FF2B5EF4-FFF2-40B4-BE49-F238E27FC236}">
+                <a16:creationId xmlns:a16="http://schemas.microsoft.com/office/drawing/2014/main" id="{B2DEBCE0-0A12-9C6D-DA67-A443D834D04C}"/>
+              </a:ext>
+            </a:extLst>
+          </p:cNvPr>
+          <p:cNvSpPr txBox="1"/>
+          <p:nvPr/>
+        </p:nvSpPr>
+        <p:spPr>
+          <a:xfrm>
+            <a:off x="5260931" y="2208644"/>
+            <a:ext cx="664669" cy="369332"/>
+          </a:xfrm>
+          <a:prstGeom prst="rect">
+            <a:avLst/>
+          </a:prstGeom>
+          <a:noFill/>
+        </p:spPr>
+        <p:txBody>
+          <a:bodyPr wrap="none" rtlCol="0">
+            <a:spAutoFit/>
+          </a:bodyPr>
+          <a:lstStyle/>
+          <a:p>
+            <a:r>
+              <a:rPr lang="en-US" altLang="zh-TW" dirty="0">
+                <a:solidFill>
+                  <a:srgbClr val="00B050"/>
+                </a:solidFill>
+              </a:rPr>
+              <a:t>Start</a:t>
+            </a:r>
+            <a:endParaRPr lang="zh-TW" altLang="en-US" dirty="0">
+              <a:solidFill>
+                <a:srgbClr val="00B050"/>
+              </a:solidFill>
+            </a:endParaRPr>
+          </a:p>
+        </p:txBody>
+      </p:sp>
+      <p:sp>
+        <p:nvSpPr>
+          <p:cNvPr id="8" name="文字方塊 7">
+            <a:extLst>
+              <a:ext uri="{FF2B5EF4-FFF2-40B4-BE49-F238E27FC236}">
+                <a16:creationId xmlns:a16="http://schemas.microsoft.com/office/drawing/2014/main" id="{7B2D4E11-3771-4AD8-DE13-899689850953}"/>
+              </a:ext>
+            </a:extLst>
+          </p:cNvPr>
+          <p:cNvSpPr txBox="1"/>
+          <p:nvPr/>
+        </p:nvSpPr>
+        <p:spPr>
+          <a:xfrm>
+            <a:off x="11174400" y="2196493"/>
+            <a:ext cx="645177" cy="369332"/>
+          </a:xfrm>
+          <a:prstGeom prst="rect">
+            <a:avLst/>
+          </a:prstGeom>
+          <a:noFill/>
+        </p:spPr>
+        <p:txBody>
+          <a:bodyPr wrap="none" rtlCol="0">
+            <a:spAutoFit/>
+          </a:bodyPr>
+          <a:lstStyle/>
+          <a:p>
+            <a:r>
+              <a:rPr lang="en-US" altLang="zh-TW" dirty="0">
+                <a:solidFill>
+                  <a:srgbClr val="0070C0"/>
+                </a:solidFill>
+              </a:rPr>
+              <a:t>Stop</a:t>
+            </a:r>
+            <a:endParaRPr lang="zh-TW" altLang="en-US" dirty="0">
+              <a:solidFill>
+                <a:srgbClr val="0070C0"/>
+              </a:solidFill>
+            </a:endParaRPr>
+          </a:p>
+        </p:txBody>
+      </p:sp>
     </p:spTree>
     <p:extLst>
       <p:ext uri="{BB962C8B-B14F-4D97-AF65-F5344CB8AC3E}">
@@ -4063,6 +4400,83 @@
           </a:prstGeom>
         </p:spPr>
       </p:pic>
+      <p:sp>
+        <p:nvSpPr>
+          <p:cNvPr id="2" name="文字方塊 1">
+            <a:extLst>
+              <a:ext uri="{FF2B5EF4-FFF2-40B4-BE49-F238E27FC236}">
+                <a16:creationId xmlns:a16="http://schemas.microsoft.com/office/drawing/2014/main" id="{D8D1A21C-63B8-3A8E-0A58-707C0F829368}"/>
+              </a:ext>
+            </a:extLst>
+          </p:cNvPr>
+          <p:cNvSpPr txBox="1"/>
+          <p:nvPr/>
+        </p:nvSpPr>
+        <p:spPr>
+          <a:xfrm>
+            <a:off x="132936" y="151512"/>
+            <a:ext cx="1162626" cy="369332"/>
+          </a:xfrm>
+          <a:prstGeom prst="rect">
+            <a:avLst/>
+          </a:prstGeom>
+          <a:noFill/>
+        </p:spPr>
+        <p:txBody>
+          <a:bodyPr wrap="none" rtlCol="0">
+            <a:spAutoFit/>
+          </a:bodyPr>
+          <a:lstStyle/>
+          <a:p>
+            <a:r>
+              <a:rPr lang="en-US" altLang="zh-TW" u="sng" dirty="0"/>
+              <a:t>Write Test</a:t>
+            </a:r>
+            <a:endParaRPr lang="zh-TW" altLang="en-US" u="sng" dirty="0"/>
+          </a:p>
+        </p:txBody>
+      </p:sp>
+      <p:cxnSp>
+        <p:nvCxnSpPr>
+          <p:cNvPr id="4" name="直線單箭頭接點 3">
+            <a:extLst>
+              <a:ext uri="{FF2B5EF4-FFF2-40B4-BE49-F238E27FC236}">
+                <a16:creationId xmlns:a16="http://schemas.microsoft.com/office/drawing/2014/main" id="{834A03CB-517F-C263-1A05-7EC0E11A65ED}"/>
+              </a:ext>
+            </a:extLst>
+          </p:cNvPr>
+          <p:cNvCxnSpPr>
+            <a:cxnSpLocks/>
+          </p:cNvCxnSpPr>
+          <p:nvPr/>
+        </p:nvCxnSpPr>
+        <p:spPr>
+          <a:xfrm>
+            <a:off x="8013600" y="3672000"/>
+            <a:ext cx="0" cy="2292441"/>
+          </a:xfrm>
+          <a:prstGeom prst="straightConnector1">
+            <a:avLst/>
+          </a:prstGeom>
+          <a:ln>
+            <a:tailEnd type="triangle"/>
+          </a:ln>
+        </p:spPr>
+        <p:style>
+          <a:lnRef idx="2">
+            <a:schemeClr val="accent1"/>
+          </a:lnRef>
+          <a:fillRef idx="0">
+            <a:schemeClr val="accent1"/>
+          </a:fillRef>
+          <a:effectRef idx="1">
+            <a:schemeClr val="accent1"/>
+          </a:effectRef>
+          <a:fontRef idx="minor">
+            <a:schemeClr val="tx1"/>
+          </a:fontRef>
+        </p:style>
+      </p:cxnSp>
     </p:spTree>
     <p:extLst>
       <p:ext uri="{BB962C8B-B14F-4D97-AF65-F5344CB8AC3E}">
@@ -4099,46 +4513,6 @@
           <a:chExt cx="0" cy="0"/>
         </a:xfrm>
       </p:grpSpPr>
-      <p:sp>
-        <p:nvSpPr>
-          <p:cNvPr id="4" name="文字方塊 3">
-            <a:extLst>
-              <a:ext uri="{FF2B5EF4-FFF2-40B4-BE49-F238E27FC236}">
-                <a16:creationId xmlns:a16="http://schemas.microsoft.com/office/drawing/2014/main" id="{132F1DC7-233C-BC4F-E986-7FA5ECDBD6D5}"/>
-              </a:ext>
-            </a:extLst>
-          </p:cNvPr>
-          <p:cNvSpPr txBox="1"/>
-          <p:nvPr/>
-        </p:nvSpPr>
-        <p:spPr>
-          <a:xfrm>
-            <a:off x="258619" y="221673"/>
-            <a:ext cx="1173719" cy="369332"/>
-          </a:xfrm>
-          <a:prstGeom prst="rect">
-            <a:avLst/>
-          </a:prstGeom>
-          <a:noFill/>
-        </p:spPr>
-        <p:txBody>
-          <a:bodyPr wrap="none" rtlCol="0">
-            <a:spAutoFit/>
-          </a:bodyPr>
-          <a:lstStyle/>
-          <a:p>
-            <a:r>
-              <a:rPr lang="zh-TW" altLang="en-US" dirty="0"/>
-              <a:t>讀值測試</a:t>
-            </a:r>
-            <a:r>
-              <a:rPr lang="en-US" altLang="zh-TW" dirty="0"/>
-              <a:t>:</a:t>
-            </a:r>
-            <a:endParaRPr lang="zh-TW" altLang="en-US" dirty="0"/>
-          </a:p>
-        </p:txBody>
-      </p:sp>
       <p:pic>
         <p:nvPicPr>
           <p:cNvPr id="5" name="圖片 4">
@@ -4169,6 +4543,401 @@
           </a:prstGeom>
         </p:spPr>
       </p:pic>
+      <p:sp>
+        <p:nvSpPr>
+          <p:cNvPr id="2" name="文字方塊 1">
+            <a:extLst>
+              <a:ext uri="{FF2B5EF4-FFF2-40B4-BE49-F238E27FC236}">
+                <a16:creationId xmlns:a16="http://schemas.microsoft.com/office/drawing/2014/main" id="{45D2B552-59B0-ABB4-0752-98976EC32ED6}"/>
+              </a:ext>
+            </a:extLst>
+          </p:cNvPr>
+          <p:cNvSpPr txBox="1"/>
+          <p:nvPr/>
+        </p:nvSpPr>
+        <p:spPr>
+          <a:xfrm>
+            <a:off x="132936" y="151512"/>
+            <a:ext cx="1145891" cy="369332"/>
+          </a:xfrm>
+          <a:prstGeom prst="rect">
+            <a:avLst/>
+          </a:prstGeom>
+          <a:noFill/>
+        </p:spPr>
+        <p:txBody>
+          <a:bodyPr wrap="none" rtlCol="0">
+            <a:spAutoFit/>
+          </a:bodyPr>
+          <a:lstStyle/>
+          <a:p>
+            <a:r>
+              <a:rPr lang="en-US" altLang="zh-TW" u="sng" dirty="0"/>
+              <a:t>Read Test</a:t>
+            </a:r>
+            <a:endParaRPr lang="zh-TW" altLang="en-US" u="sng" dirty="0"/>
+          </a:p>
+        </p:txBody>
+      </p:sp>
+      <p:sp>
+        <p:nvSpPr>
+          <p:cNvPr id="3" name="文字方塊 2">
+            <a:extLst>
+              <a:ext uri="{FF2B5EF4-FFF2-40B4-BE49-F238E27FC236}">
+                <a16:creationId xmlns:a16="http://schemas.microsoft.com/office/drawing/2014/main" id="{E1182AB8-1652-DC37-F0CE-5A504C56BE63}"/>
+              </a:ext>
+            </a:extLst>
+          </p:cNvPr>
+          <p:cNvSpPr txBox="1"/>
+          <p:nvPr/>
+        </p:nvSpPr>
+        <p:spPr>
+          <a:xfrm>
+            <a:off x="304800" y="3915495"/>
+            <a:ext cx="4592411" cy="830997"/>
+          </a:xfrm>
+          <a:prstGeom prst="rect">
+            <a:avLst/>
+          </a:prstGeom>
+          <a:noFill/>
+        </p:spPr>
+        <p:txBody>
+          <a:bodyPr wrap="none" rtlCol="0">
+            <a:spAutoFit/>
+          </a:bodyPr>
+          <a:lstStyle/>
+          <a:p>
+            <a:pPr marL="342900" indent="-342900">
+              <a:buAutoNum type="arabicPeriod"/>
+            </a:pPr>
+            <a:r>
+              <a:rPr lang="en-US" altLang="zh-TW" sz="1600" dirty="0">
+                <a:latin typeface="微軟正黑體" panose="020B0604030504040204" pitchFamily="34" charset="-120"/>
+                <a:ea typeface="微軟正黑體" panose="020B0604030504040204" pitchFamily="34" charset="-120"/>
+              </a:rPr>
+              <a:t>SM</a:t>
+            </a:r>
+            <a:r>
+              <a:rPr lang="zh-TW" altLang="en-US" sz="1600" dirty="0">
+                <a:latin typeface="微軟正黑體" panose="020B0604030504040204" pitchFamily="34" charset="-120"/>
+                <a:ea typeface="微軟正黑體" panose="020B0604030504040204" pitchFamily="34" charset="-120"/>
+              </a:rPr>
+              <a:t>變化如寫狀態之變遷圖</a:t>
+            </a:r>
+            <a:endParaRPr lang="en-US" altLang="zh-TW" sz="1600" dirty="0">
+              <a:latin typeface="微軟正黑體" panose="020B0604030504040204" pitchFamily="34" charset="-120"/>
+              <a:ea typeface="微軟正黑體" panose="020B0604030504040204" pitchFamily="34" charset="-120"/>
+            </a:endParaRPr>
+          </a:p>
+          <a:p>
+            <a:pPr marL="342900" indent="-342900">
+              <a:buAutoNum type="arabicPeriod"/>
+            </a:pPr>
+            <a:r>
+              <a:rPr lang="en-US" altLang="zh-TW" sz="1600" dirty="0">
+                <a:latin typeface="微軟正黑體" panose="020B0604030504040204" pitchFamily="34" charset="-120"/>
+                <a:ea typeface="微軟正黑體" panose="020B0604030504040204" pitchFamily="34" charset="-120"/>
+              </a:rPr>
+              <a:t>START</a:t>
+            </a:r>
+            <a:r>
+              <a:rPr lang="zh-TW" altLang="en-US" sz="1600" dirty="0">
+                <a:latin typeface="微軟正黑體" panose="020B0604030504040204" pitchFamily="34" charset="-120"/>
+                <a:ea typeface="微軟正黑體" panose="020B0604030504040204" pitchFamily="34" charset="-120"/>
+              </a:rPr>
+              <a:t>與</a:t>
+            </a:r>
+            <a:r>
+              <a:rPr lang="en-US" altLang="zh-TW" sz="1600" dirty="0">
+                <a:latin typeface="微軟正黑體" panose="020B0604030504040204" pitchFamily="34" charset="-120"/>
+                <a:ea typeface="微軟正黑體" panose="020B0604030504040204" pitchFamily="34" charset="-120"/>
+              </a:rPr>
+              <a:t>STOP</a:t>
+            </a:r>
+            <a:r>
+              <a:rPr lang="zh-TW" altLang="en-US" sz="1600" dirty="0">
+                <a:latin typeface="微軟正黑體" panose="020B0604030504040204" pitchFamily="34" charset="-120"/>
+                <a:ea typeface="微軟正黑體" panose="020B0604030504040204" pitchFamily="34" charset="-120"/>
+              </a:rPr>
+              <a:t>有成功顯示</a:t>
+            </a:r>
+            <a:endParaRPr lang="en-US" altLang="zh-TW" sz="1600" dirty="0">
+              <a:latin typeface="微軟正黑體" panose="020B0604030504040204" pitchFamily="34" charset="-120"/>
+              <a:ea typeface="微軟正黑體" panose="020B0604030504040204" pitchFamily="34" charset="-120"/>
+            </a:endParaRPr>
+          </a:p>
+          <a:p>
+            <a:pPr marL="342900" indent="-342900">
+              <a:buAutoNum type="arabicPeriod"/>
+            </a:pPr>
+            <a:r>
+              <a:rPr lang="en-US" altLang="zh-TW" sz="1600" dirty="0">
+                <a:latin typeface="微軟正黑體" panose="020B0604030504040204" pitchFamily="34" charset="-120"/>
+                <a:ea typeface="微軟正黑體" panose="020B0604030504040204" pitchFamily="34" charset="-120"/>
+              </a:rPr>
+              <a:t>Finish</a:t>
+            </a:r>
+            <a:r>
+              <a:rPr lang="zh-TW" altLang="en-US" sz="1600" dirty="0">
+                <a:latin typeface="微軟正黑體" panose="020B0604030504040204" pitchFamily="34" charset="-120"/>
+                <a:ea typeface="微軟正黑體" panose="020B0604030504040204" pitchFamily="34" charset="-120"/>
+              </a:rPr>
+              <a:t>在</a:t>
+            </a:r>
+            <a:r>
+              <a:rPr lang="en-US" altLang="zh-TW" sz="1600" dirty="0">
+                <a:latin typeface="微軟正黑體" panose="020B0604030504040204" pitchFamily="34" charset="-120"/>
+                <a:ea typeface="微軟正黑體" panose="020B0604030504040204" pitchFamily="34" charset="-120"/>
+              </a:rPr>
+              <a:t>State 23(WRITE_ACK)</a:t>
+            </a:r>
+            <a:r>
+              <a:rPr lang="zh-TW" altLang="en-US" sz="1600" dirty="0">
+                <a:latin typeface="微軟正黑體" panose="020B0604030504040204" pitchFamily="34" charset="-120"/>
+                <a:ea typeface="微軟正黑體" panose="020B0604030504040204" pitchFamily="34" charset="-120"/>
+              </a:rPr>
+              <a:t>跳起</a:t>
+            </a:r>
+            <a:r>
+              <a:rPr lang="en-US" altLang="zh-TW" sz="1600" dirty="0">
+                <a:latin typeface="微軟正黑體" panose="020B0604030504040204" pitchFamily="34" charset="-120"/>
+                <a:ea typeface="微軟正黑體" panose="020B0604030504040204" pitchFamily="34" charset="-120"/>
+              </a:rPr>
+              <a:t>(</a:t>
+            </a:r>
+            <a:r>
+              <a:rPr lang="zh-TW" altLang="en-US" sz="1600" dirty="0">
+                <a:latin typeface="微軟正黑體" panose="020B0604030504040204" pitchFamily="34" charset="-120"/>
+                <a:ea typeface="微軟正黑體" panose="020B0604030504040204" pitchFamily="34" charset="-120"/>
+              </a:rPr>
+              <a:t>見下頁</a:t>
+            </a:r>
+            <a:r>
+              <a:rPr lang="en-US" altLang="zh-TW" sz="1600" dirty="0">
+                <a:latin typeface="微軟正黑體" panose="020B0604030504040204" pitchFamily="34" charset="-120"/>
+                <a:ea typeface="微軟正黑體" panose="020B0604030504040204" pitchFamily="34" charset="-120"/>
+              </a:rPr>
+              <a:t>)</a:t>
+            </a:r>
+            <a:endParaRPr lang="zh-TW" altLang="en-US" sz="1600" dirty="0">
+              <a:latin typeface="微軟正黑體" panose="020B0604030504040204" pitchFamily="34" charset="-120"/>
+              <a:ea typeface="微軟正黑體" panose="020B0604030504040204" pitchFamily="34" charset="-120"/>
+            </a:endParaRPr>
+          </a:p>
+        </p:txBody>
+      </p:sp>
+      <p:sp>
+        <p:nvSpPr>
+          <p:cNvPr id="6" name="橢圓 5">
+            <a:extLst>
+              <a:ext uri="{FF2B5EF4-FFF2-40B4-BE49-F238E27FC236}">
+                <a16:creationId xmlns:a16="http://schemas.microsoft.com/office/drawing/2014/main" id="{881B99DF-8C27-8BCF-0610-4510007DFC4A}"/>
+              </a:ext>
+            </a:extLst>
+          </p:cNvPr>
+          <p:cNvSpPr/>
+          <p:nvPr/>
+        </p:nvSpPr>
+        <p:spPr>
+          <a:xfrm>
+            <a:off x="4430175" y="1673850"/>
+            <a:ext cx="324000" cy="504000"/>
+          </a:xfrm>
+          <a:prstGeom prst="ellipse">
+            <a:avLst/>
+          </a:prstGeom>
+          <a:noFill/>
+          <a:ln>
+            <a:solidFill>
+              <a:srgbClr val="00B050"/>
+            </a:solidFill>
+            <a:prstDash val="sysDash"/>
+          </a:ln>
+        </p:spPr>
+        <p:style>
+          <a:lnRef idx="2">
+            <a:schemeClr val="accent1">
+              <a:shade val="15000"/>
+            </a:schemeClr>
+          </a:lnRef>
+          <a:fillRef idx="1">
+            <a:schemeClr val="accent1"/>
+          </a:fillRef>
+          <a:effectRef idx="0">
+            <a:schemeClr val="accent1"/>
+          </a:effectRef>
+          <a:fontRef idx="minor">
+            <a:schemeClr val="lt1"/>
+          </a:fontRef>
+        </p:style>
+        <p:txBody>
+          <a:bodyPr rtlCol="0" anchor="ctr"/>
+          <a:lstStyle/>
+          <a:p>
+            <a:pPr algn="ctr"/>
+            <a:endParaRPr lang="zh-TW" altLang="en-US"/>
+          </a:p>
+        </p:txBody>
+      </p:sp>
+      <p:sp>
+        <p:nvSpPr>
+          <p:cNvPr id="8" name="橢圓 7">
+            <a:extLst>
+              <a:ext uri="{FF2B5EF4-FFF2-40B4-BE49-F238E27FC236}">
+                <a16:creationId xmlns:a16="http://schemas.microsoft.com/office/drawing/2014/main" id="{89D7E6EB-4B16-5D29-0FD9-F1450FCEA720}"/>
+              </a:ext>
+            </a:extLst>
+          </p:cNvPr>
+          <p:cNvSpPr/>
+          <p:nvPr/>
+        </p:nvSpPr>
+        <p:spPr>
+          <a:xfrm>
+            <a:off x="6624563" y="1673850"/>
+            <a:ext cx="166762" cy="504000"/>
+          </a:xfrm>
+          <a:prstGeom prst="ellipse">
+            <a:avLst/>
+          </a:prstGeom>
+          <a:noFill/>
+          <a:ln>
+            <a:solidFill>
+              <a:srgbClr val="00B050"/>
+            </a:solidFill>
+            <a:prstDash val="sysDash"/>
+          </a:ln>
+        </p:spPr>
+        <p:style>
+          <a:lnRef idx="2">
+            <a:schemeClr val="accent1">
+              <a:shade val="15000"/>
+            </a:schemeClr>
+          </a:lnRef>
+          <a:fillRef idx="1">
+            <a:schemeClr val="accent1"/>
+          </a:fillRef>
+          <a:effectRef idx="0">
+            <a:schemeClr val="accent1"/>
+          </a:effectRef>
+          <a:fontRef idx="minor">
+            <a:schemeClr val="lt1"/>
+          </a:fontRef>
+        </p:style>
+        <p:txBody>
+          <a:bodyPr rtlCol="0" anchor="ctr"/>
+          <a:lstStyle/>
+          <a:p>
+            <a:pPr algn="ctr"/>
+            <a:endParaRPr lang="zh-TW" altLang="en-US"/>
+          </a:p>
+        </p:txBody>
+      </p:sp>
+      <p:sp>
+        <p:nvSpPr>
+          <p:cNvPr id="9" name="橢圓 8">
+            <a:extLst>
+              <a:ext uri="{FF2B5EF4-FFF2-40B4-BE49-F238E27FC236}">
+                <a16:creationId xmlns:a16="http://schemas.microsoft.com/office/drawing/2014/main" id="{0CA9BC94-EB69-F8CA-7A0D-466D6013A460}"/>
+              </a:ext>
+            </a:extLst>
+          </p:cNvPr>
+          <p:cNvSpPr/>
+          <p:nvPr/>
+        </p:nvSpPr>
+        <p:spPr>
+          <a:xfrm>
+            <a:off x="6462563" y="1555193"/>
+            <a:ext cx="109687" cy="504000"/>
+          </a:xfrm>
+          <a:prstGeom prst="ellipse">
+            <a:avLst/>
+          </a:prstGeom>
+          <a:noFill/>
+          <a:ln>
+            <a:solidFill>
+              <a:srgbClr val="0070C0"/>
+            </a:solidFill>
+            <a:prstDash val="sysDash"/>
+          </a:ln>
+        </p:spPr>
+        <p:style>
+          <a:lnRef idx="2">
+            <a:schemeClr val="accent1">
+              <a:shade val="15000"/>
+            </a:schemeClr>
+          </a:lnRef>
+          <a:fillRef idx="1">
+            <a:schemeClr val="accent1"/>
+          </a:fillRef>
+          <a:effectRef idx="0">
+            <a:schemeClr val="accent1"/>
+          </a:effectRef>
+          <a:fontRef idx="minor">
+            <a:schemeClr val="lt1"/>
+          </a:fontRef>
+        </p:style>
+        <p:txBody>
+          <a:bodyPr rtlCol="0" anchor="ctr"/>
+          <a:lstStyle/>
+          <a:p>
+            <a:pPr algn="ctr"/>
+            <a:endParaRPr lang="zh-TW" altLang="en-US"/>
+          </a:p>
+        </p:txBody>
+      </p:sp>
+      <p:sp>
+        <p:nvSpPr>
+          <p:cNvPr id="10" name="橢圓 9">
+            <a:extLst>
+              <a:ext uri="{FF2B5EF4-FFF2-40B4-BE49-F238E27FC236}">
+                <a16:creationId xmlns:a16="http://schemas.microsoft.com/office/drawing/2014/main" id="{071C4045-7E98-A166-3612-794641932C8B}"/>
+              </a:ext>
+            </a:extLst>
+          </p:cNvPr>
+          <p:cNvSpPr/>
+          <p:nvPr/>
+        </p:nvSpPr>
+        <p:spPr>
+          <a:xfrm>
+            <a:off x="9767738" y="1673850"/>
+            <a:ext cx="166762" cy="504000"/>
+          </a:xfrm>
+          <a:prstGeom prst="ellipse">
+            <a:avLst/>
+          </a:prstGeom>
+          <a:noFill/>
+          <a:ln>
+            <a:solidFill>
+              <a:srgbClr val="0070C0"/>
+            </a:solidFill>
+            <a:prstDash val="sysDash"/>
+          </a:ln>
+        </p:spPr>
+        <p:style>
+          <a:lnRef idx="2">
+            <a:schemeClr val="accent1">
+              <a:shade val="15000"/>
+            </a:schemeClr>
+          </a:lnRef>
+          <a:fillRef idx="1">
+            <a:schemeClr val="accent1"/>
+          </a:fillRef>
+          <a:effectRef idx="0">
+            <a:schemeClr val="accent1"/>
+          </a:effectRef>
+          <a:fontRef idx="minor">
+            <a:schemeClr val="lt1"/>
+          </a:fontRef>
+        </p:style>
+        <p:txBody>
+          <a:bodyPr rtlCol="0" anchor="ctr"/>
+          <a:lstStyle/>
+          <a:p>
+            <a:pPr algn="ctr"/>
+            <a:endParaRPr lang="zh-TW" altLang="en-US"/>
+          </a:p>
+        </p:txBody>
+      </p:sp>
     </p:spTree>
     <p:extLst>
       <p:ext uri="{BB962C8B-B14F-4D97-AF65-F5344CB8AC3E}">
@@ -4259,6 +5028,83 @@
           </a:prstGeom>
         </p:spPr>
       </p:pic>
+      <p:sp>
+        <p:nvSpPr>
+          <p:cNvPr id="2" name="文字方塊 1">
+            <a:extLst>
+              <a:ext uri="{FF2B5EF4-FFF2-40B4-BE49-F238E27FC236}">
+                <a16:creationId xmlns:a16="http://schemas.microsoft.com/office/drawing/2014/main" id="{9E88B33D-56CD-17DC-F43D-3093FE071D84}"/>
+              </a:ext>
+            </a:extLst>
+          </p:cNvPr>
+          <p:cNvSpPr txBox="1"/>
+          <p:nvPr/>
+        </p:nvSpPr>
+        <p:spPr>
+          <a:xfrm>
+            <a:off x="132936" y="151512"/>
+            <a:ext cx="1145891" cy="369332"/>
+          </a:xfrm>
+          <a:prstGeom prst="rect">
+            <a:avLst/>
+          </a:prstGeom>
+          <a:noFill/>
+        </p:spPr>
+        <p:txBody>
+          <a:bodyPr wrap="none" rtlCol="0">
+            <a:spAutoFit/>
+          </a:bodyPr>
+          <a:lstStyle/>
+          <a:p>
+            <a:r>
+              <a:rPr lang="en-US" altLang="zh-TW" u="sng" dirty="0"/>
+              <a:t>Read Test</a:t>
+            </a:r>
+            <a:endParaRPr lang="zh-TW" altLang="en-US" u="sng" dirty="0"/>
+          </a:p>
+        </p:txBody>
+      </p:sp>
+      <p:cxnSp>
+        <p:nvCxnSpPr>
+          <p:cNvPr id="3" name="直線單箭頭接點 2">
+            <a:extLst>
+              <a:ext uri="{FF2B5EF4-FFF2-40B4-BE49-F238E27FC236}">
+                <a16:creationId xmlns:a16="http://schemas.microsoft.com/office/drawing/2014/main" id="{38E2A129-6BA5-1EAE-0267-858937B20749}"/>
+              </a:ext>
+            </a:extLst>
+          </p:cNvPr>
+          <p:cNvCxnSpPr>
+            <a:cxnSpLocks/>
+          </p:cNvCxnSpPr>
+          <p:nvPr/>
+        </p:nvCxnSpPr>
+        <p:spPr>
+          <a:xfrm>
+            <a:off x="9423300" y="3589450"/>
+            <a:ext cx="0" cy="2292441"/>
+          </a:xfrm>
+          <a:prstGeom prst="straightConnector1">
+            <a:avLst/>
+          </a:prstGeom>
+          <a:ln>
+            <a:tailEnd type="triangle"/>
+          </a:ln>
+        </p:spPr>
+        <p:style>
+          <a:lnRef idx="2">
+            <a:schemeClr val="accent1"/>
+          </a:lnRef>
+          <a:fillRef idx="0">
+            <a:schemeClr val="accent1"/>
+          </a:fillRef>
+          <a:effectRef idx="1">
+            <a:schemeClr val="accent1"/>
+          </a:effectRef>
+          <a:fontRef idx="minor">
+            <a:schemeClr val="tx1"/>
+          </a:fontRef>
+        </p:style>
+      </p:cxnSp>
     </p:spTree>
     <p:extLst>
       <p:ext uri="{BB962C8B-B14F-4D97-AF65-F5344CB8AC3E}">
@@ -6014,7 +6860,7 @@
         </p:nvSpPr>
         <p:spPr>
           <a:xfrm>
-            <a:off x="482885" y="369870"/>
+            <a:off x="473360" y="112695"/>
             <a:ext cx="7857664" cy="3139321"/>
           </a:xfrm>
           <a:prstGeom prst="rect">
@@ -6341,6 +7187,150 @@
             <a:r>
               <a:rPr lang="en-US" altLang="zh-TW" dirty="0"/>
               <a:t>SM</a:t>
+            </a:r>
+            <a:endParaRPr lang="zh-TW" altLang="en-US" dirty="0"/>
+          </a:p>
+        </p:txBody>
+      </p:sp>
+      <p:sp>
+        <p:nvSpPr>
+          <p:cNvPr id="3" name="文字方塊 2">
+            <a:extLst>
+              <a:ext uri="{FF2B5EF4-FFF2-40B4-BE49-F238E27FC236}">
+                <a16:creationId xmlns:a16="http://schemas.microsoft.com/office/drawing/2014/main" id="{8B4C287F-F1B1-1BD5-E99A-297CE6611DD7}"/>
+              </a:ext>
+            </a:extLst>
+          </p:cNvPr>
+          <p:cNvSpPr txBox="1"/>
+          <p:nvPr/>
+        </p:nvSpPr>
+        <p:spPr>
+          <a:xfrm>
+            <a:off x="797210" y="3467100"/>
+            <a:ext cx="6161110" cy="1477328"/>
+          </a:xfrm>
+          <a:prstGeom prst="rect">
+            <a:avLst/>
+          </a:prstGeom>
+          <a:noFill/>
+        </p:spPr>
+        <p:txBody>
+          <a:bodyPr wrap="none" rtlCol="0">
+            <a:spAutoFit/>
+          </a:bodyPr>
+          <a:lstStyle/>
+          <a:p>
+            <a:r>
+              <a:rPr lang="en-US" altLang="zh-TW" dirty="0"/>
+              <a:t>SDA</a:t>
+            </a:r>
+            <a:r>
+              <a:rPr lang="zh-TW" altLang="en-US" dirty="0"/>
+              <a:t> 寫規則</a:t>
+            </a:r>
+            <a:r>
+              <a:rPr lang="en-US" altLang="zh-TW" dirty="0"/>
+              <a:t>:</a:t>
+            </a:r>
+          </a:p>
+          <a:p>
+            <a:endParaRPr lang="en-US" altLang="zh-TW" dirty="0"/>
+          </a:p>
+          <a:p>
+            <a:pPr marL="342900" indent="-342900">
+              <a:buAutoNum type="arabicPeriod"/>
+            </a:pPr>
+            <a:r>
+              <a:rPr lang="zh-TW" altLang="en-US" dirty="0"/>
+              <a:t>跟寫值相關的都作用在</a:t>
+            </a:r>
+            <a:r>
+              <a:rPr lang="en-US" altLang="zh-TW" dirty="0"/>
+              <a:t>i2c_clk</a:t>
+            </a:r>
+            <a:r>
+              <a:rPr lang="zh-TW" altLang="en-US" dirty="0"/>
+              <a:t>下降源</a:t>
+            </a:r>
+            <a:endParaRPr lang="en-US" altLang="zh-TW" dirty="0"/>
+          </a:p>
+          <a:p>
+            <a:pPr marL="342900" indent="-342900">
+              <a:buAutoNum type="arabicPeriod"/>
+            </a:pPr>
+            <a:r>
+              <a:rPr lang="zh-TW" altLang="en-US" dirty="0"/>
+              <a:t>需要寫值的</a:t>
+            </a:r>
+            <a:r>
+              <a:rPr lang="en-US" altLang="zh-TW" dirty="0"/>
+              <a:t>SM</a:t>
+            </a:r>
+            <a:r>
+              <a:rPr lang="zh-TW" altLang="en-US" dirty="0"/>
+              <a:t>需將</a:t>
+            </a:r>
+            <a:r>
+              <a:rPr lang="en-US" altLang="zh-TW" dirty="0"/>
+              <a:t>write_enable</a:t>
+            </a:r>
+            <a:r>
+              <a:rPr lang="zh-TW" altLang="en-US" dirty="0"/>
+              <a:t> </a:t>
+            </a:r>
+            <a:r>
+              <a:rPr lang="en-US" altLang="zh-TW" dirty="0"/>
+              <a:t>&lt;=1</a:t>
+            </a:r>
+            <a:r>
+              <a:rPr lang="zh-TW" altLang="en-US" dirty="0"/>
+              <a:t>，</a:t>
+            </a:r>
+            <a:r>
+              <a:rPr lang="en-US" altLang="zh-TW" dirty="0"/>
+              <a:t>sda_out </a:t>
+            </a:r>
+            <a:r>
+              <a:rPr lang="zh-TW" altLang="en-US" dirty="0"/>
+              <a:t>寫對應值</a:t>
+            </a:r>
+            <a:endParaRPr lang="en-US" altLang="zh-TW" dirty="0"/>
+          </a:p>
+          <a:p>
+            <a:pPr marL="342900" indent="-342900">
+              <a:buAutoNum type="arabicPeriod"/>
+            </a:pPr>
+            <a:r>
+              <a:rPr lang="zh-TW" altLang="en-US" dirty="0"/>
+              <a:t>需要讀值的</a:t>
+            </a:r>
+            <a:r>
+              <a:rPr lang="en-US" altLang="zh-TW" dirty="0"/>
+              <a:t>SM</a:t>
+            </a:r>
+            <a:r>
+              <a:rPr lang="zh-TW" altLang="en-US" dirty="0"/>
+              <a:t>需將</a:t>
+            </a:r>
+            <a:r>
+              <a:rPr lang="en-US" altLang="zh-TW" dirty="0"/>
+              <a:t>write_enable</a:t>
+            </a:r>
+            <a:r>
+              <a:rPr lang="zh-TW" altLang="en-US" dirty="0"/>
+              <a:t> </a:t>
+            </a:r>
+            <a:r>
+              <a:rPr lang="en-US" altLang="zh-TW" dirty="0"/>
+              <a:t>&lt;=0</a:t>
+            </a:r>
+            <a:r>
+              <a:rPr lang="zh-TW" altLang="en-US" dirty="0"/>
+              <a:t> 來釋放</a:t>
+            </a:r>
+            <a:r>
+              <a:rPr lang="en-US" altLang="zh-TW"/>
+              <a:t>SDA line</a:t>
             </a:r>
             <a:endParaRPr lang="zh-TW" altLang="en-US" dirty="0"/>
           </a:p>
